--- a/SE401/Lectures/5-Unit Testing and Junit/Unit Testing and JUnit.pptx
+++ b/SE401/Lectures/5-Unit Testing and Junit/Unit Testing and JUnit.pptx
@@ -268,7 +268,7 @@
           <a:p>
             <a:fld id="{29DC965F-4EE6-424F-87B9-6E4E065EFA1D}" type="datetimeFigureOut">
               <a:rPr lang="en-US" smtClean="0"/>
-              <a:t>2/22/2021</a:t>
+              <a:t>9/26/2021</a:t>
             </a:fld>
             <a:endParaRPr lang="en-US"/>
           </a:p>
@@ -586,14 +586,14 @@
           <a:ln/>
           <a:extLst>
             <a:ext uri="{909E8E84-426E-40dd-AFC4-6F175D3DCCD1}">
-              <a14:hiddenFill xmlns:a14="http://schemas.microsoft.com/office/drawing/2010/main" xmlns="">
+              <a14:hiddenFill xmlns="" xmlns:a14="http://schemas.microsoft.com/office/drawing/2010/main">
                 <a:solidFill>
                   <a:srgbClr val="FFFFFF"/>
                 </a:solidFill>
               </a14:hiddenFill>
             </a:ext>
             <a:ext uri="{91240B29-F687-4f45-9708-019B960494DF}">
-              <a14:hiddenLine xmlns:a14="http://schemas.microsoft.com/office/drawing/2010/main" xmlns="" w="9525">
+              <a14:hiddenLine xmlns="" xmlns:a14="http://schemas.microsoft.com/office/drawing/2010/main" w="9525">
                 <a:solidFill>
                   <a:srgbClr val="000000"/>
                 </a:solidFill>
@@ -603,7 +603,7 @@
               </a14:hiddenLine>
             </a:ext>
             <a:ext uri="{FAA26D3D-D897-4be2-8F04-BA451C77F1D7}">
-              <ma14:placeholderFlag xmlns:ma14="http://schemas.microsoft.com/office/mac/drawingml/2011/main" xmlns="" val="1"/>
+              <ma14:placeholderFlag xmlns="" xmlns:ma14="http://schemas.microsoft.com/office/mac/drawingml/2011/main" val="1"/>
             </a:ext>
           </a:extLst>
         </p:spPr>
@@ -2268,7 +2268,7 @@
           <a:p>
             <a:fld id="{22494048-E00F-4AC1-B4FB-686A894F4BF1}" type="datetime1">
               <a:rPr lang="en-US" smtClean="0"/>
-              <a:t>2/22/2021</a:t>
+              <a:t>9/26/2021</a:t>
             </a:fld>
             <a:endParaRPr lang="en-US"/>
           </a:p>
@@ -2519,7 +2519,7 @@
           <a:p>
             <a:fld id="{78C8194D-BA99-4D56-819C-D278CCA771C8}" type="datetime1">
               <a:rPr lang="en-US" smtClean="0"/>
-              <a:t>2/22/2021</a:t>
+              <a:t>9/26/2021</a:t>
             </a:fld>
             <a:endParaRPr lang="en-US"/>
           </a:p>
@@ -2699,7 +2699,7 @@
           <a:p>
             <a:fld id="{94613451-ED4A-47B2-87C8-6FE8EF1245A9}" type="datetime1">
               <a:rPr lang="en-US" smtClean="0"/>
-              <a:t>2/22/2021</a:t>
+              <a:t>9/26/2021</a:t>
             </a:fld>
             <a:endParaRPr lang="en-US"/>
           </a:p>
@@ -2869,7 +2869,7 @@
           <a:p>
             <a:fld id="{D98B30E1-5E87-4BB7-B950-E97C0CDBF3C8}" type="datetime1">
               <a:rPr lang="en-US" smtClean="0"/>
-              <a:t>2/22/2021</a:t>
+              <a:t>9/26/2021</a:t>
             </a:fld>
             <a:endParaRPr lang="en-US"/>
           </a:p>
@@ -3115,7 +3115,7 @@
           <a:p>
             <a:fld id="{1DDFC4E7-36A5-4949-A2D3-24712CC604F7}" type="datetime1">
               <a:rPr lang="en-US" smtClean="0"/>
-              <a:t>2/22/2021</a:t>
+              <a:t>9/26/2021</a:t>
             </a:fld>
             <a:endParaRPr lang="en-US"/>
           </a:p>
@@ -3347,7 +3347,7 @@
           <a:p>
             <a:fld id="{069E10FE-283F-403B-A4F0-E241DA85DB8D}" type="datetime1">
               <a:rPr lang="en-US" smtClean="0"/>
-              <a:t>2/22/2021</a:t>
+              <a:t>9/26/2021</a:t>
             </a:fld>
             <a:endParaRPr lang="en-US"/>
           </a:p>
@@ -3714,7 +3714,7 @@
           <a:p>
             <a:fld id="{42225CAC-C01D-4CA0-98FD-7EC6D89E8F91}" type="datetime1">
               <a:rPr lang="en-US" smtClean="0"/>
-              <a:t>2/22/2021</a:t>
+              <a:t>9/26/2021</a:t>
             </a:fld>
             <a:endParaRPr lang="en-US"/>
           </a:p>
@@ -3832,7 +3832,7 @@
           <a:p>
             <a:fld id="{07C88240-A4B1-46C4-96E3-48EB0E9D5573}" type="datetime1">
               <a:rPr lang="en-US" smtClean="0"/>
-              <a:t>2/22/2021</a:t>
+              <a:t>9/26/2021</a:t>
             </a:fld>
             <a:endParaRPr lang="en-US"/>
           </a:p>
@@ -3927,7 +3927,7 @@
           <a:p>
             <a:fld id="{A7E6A135-212F-4628-BF58-A98A2936E463}" type="datetime1">
               <a:rPr lang="en-US" smtClean="0"/>
-              <a:t>2/22/2021</a:t>
+              <a:t>9/26/2021</a:t>
             </a:fld>
             <a:endParaRPr lang="en-US"/>
           </a:p>
@@ -4204,7 +4204,7 @@
           <a:p>
             <a:fld id="{576334E7-57A6-4DA3-8ADA-F1BAF2C20CE5}" type="datetime1">
               <a:rPr lang="en-US" smtClean="0"/>
-              <a:t>2/22/2021</a:t>
+              <a:t>9/26/2021</a:t>
             </a:fld>
             <a:endParaRPr lang="en-US"/>
           </a:p>
@@ -4457,7 +4457,7 @@
           <a:p>
             <a:fld id="{86F98AE5-2B3E-4DFE-83A2-676C45A3AA5A}" type="datetime1">
               <a:rPr lang="en-US" smtClean="0"/>
-              <a:t>2/22/2021</a:t>
+              <a:t>9/26/2021</a:t>
             </a:fld>
             <a:endParaRPr lang="en-US"/>
           </a:p>
@@ -4671,7 +4671,7 @@
           <a:p>
             <a:fld id="{415A01DC-2099-4C8B-B4F3-C0EAB13493FD}" type="datetime1">
               <a:rPr lang="en-US" smtClean="0"/>
-              <a:t>2/22/2021</a:t>
+              <a:t>9/26/2021</a:t>
             </a:fld>
             <a:endParaRPr lang="en-US"/>
           </a:p>
@@ -6755,25 +6755,6 @@
               <a:t>Part 1: The Basics</a:t>
             </a:r>
             <a:endParaRPr lang="en-US" sz="4800" b="1" dirty="0"/>
-          </a:p>
-        </p:txBody>
-      </p:sp>
-      <p:sp>
-        <p:nvSpPr>
-          <p:cNvPr id="2" name="Text Placeholder 1"/>
-          <p:cNvSpPr>
-            <a:spLocks noGrp="1"/>
-          </p:cNvSpPr>
-          <p:nvPr>
-            <p:ph type="body" idx="1"/>
-          </p:nvPr>
-        </p:nvSpPr>
-        <p:spPr/>
-        <p:txBody>
-          <a:bodyPr/>
-          <a:lstStyle/>
-          <a:p>
-            <a:endParaRPr lang="en-US"/>
           </a:p>
         </p:txBody>
       </p:sp>
@@ -7694,7 +7675,6 @@
             </a:pPr>
             <a:r>
               <a:rPr lang="en-US" dirty="0">
-                <a:latin typeface="Arial" charset="0"/>
                 <a:ea typeface="ＭＳ Ｐゴシック" charset="0"/>
                 <a:cs typeface="ＭＳ Ｐゴシック" charset="0"/>
               </a:rPr>
@@ -7702,14 +7682,12 @@
             </a:r>
             <a:r>
               <a:rPr lang="en-US" dirty="0" smtClean="0">
-                <a:latin typeface="Arial" charset="0"/>
                 <a:ea typeface="ＭＳ Ｐゴシック" charset="0"/>
                 <a:cs typeface="ＭＳ Ｐゴシック" charset="0"/>
               </a:rPr>
               <a:t>401</a:t>
             </a:r>
             <a:endParaRPr lang="en-US" dirty="0">
-              <a:latin typeface="Arial" charset="0"/>
               <a:ea typeface="ＭＳ Ｐゴシック" charset="0"/>
               <a:cs typeface="ＭＳ Ｐゴシック" charset="0"/>
             </a:endParaRPr>
@@ -10695,7 +10673,7 @@
           <a:effectLst/>
           <a:extLst>
             <a:ext uri="{AF507438-7753-43e0-B8FC-AC1667EBCBE1}">
-              <a14:hiddenEffects xmlns:a14="http://schemas.microsoft.com/office/drawing/2010/main" xmlns="">
+              <a14:hiddenEffects xmlns="" xmlns:a14="http://schemas.microsoft.com/office/drawing/2010/main">
                 <a:effectLst>
                   <a:outerShdw blurRad="63500" dist="38099" dir="2700000" algn="ctr" rotWithShape="0">
                     <a:schemeClr val="bg2">
@@ -10768,12 +10746,12 @@
           <a:effectLst/>
           <a:extLst>
             <a:ext uri="{909E8E84-426E-40dd-AFC4-6F175D3DCCD1}">
-              <a14:hiddenFill xmlns:a14="http://schemas.microsoft.com/office/drawing/2010/main" xmlns="">
+              <a14:hiddenFill xmlns="" xmlns:a14="http://schemas.microsoft.com/office/drawing/2010/main">
                 <a:noFill/>
               </a14:hiddenFill>
             </a:ext>
             <a:ext uri="{AF507438-7753-43e0-B8FC-AC1667EBCBE1}">
-              <a14:hiddenEffects xmlns:a14="http://schemas.microsoft.com/office/drawing/2010/main" xmlns="">
+              <a14:hiddenEffects xmlns="" xmlns:a14="http://schemas.microsoft.com/office/drawing/2010/main">
                 <a:effectLst>
                   <a:outerShdw blurRad="63500" dist="38099" dir="2700000" algn="ctr" rotWithShape="0">
                     <a:schemeClr val="bg2">
@@ -11188,7 +11166,7 @@
           <a:effectLst/>
           <a:extLst>
             <a:ext uri="{AF507438-7753-43e0-B8FC-AC1667EBCBE1}">
-              <a14:hiddenEffects xmlns:a14="http://schemas.microsoft.com/office/drawing/2010/main" xmlns="">
+              <a14:hiddenEffects xmlns="" xmlns:a14="http://schemas.microsoft.com/office/drawing/2010/main">
                 <a:effectLst>
                   <a:outerShdw blurRad="63500" dist="38099" dir="2700000" algn="ctr" rotWithShape="0">
                     <a:schemeClr val="bg2">
@@ -11284,12 +11262,12 @@
           <a:effectLst/>
           <a:extLst>
             <a:ext uri="{909E8E84-426E-40dd-AFC4-6F175D3DCCD1}">
-              <a14:hiddenFill xmlns:a14="http://schemas.microsoft.com/office/drawing/2010/main" xmlns="">
+              <a14:hiddenFill xmlns="" xmlns:a14="http://schemas.microsoft.com/office/drawing/2010/main">
                 <a:noFill/>
               </a14:hiddenFill>
             </a:ext>
             <a:ext uri="{AF507438-7753-43e0-B8FC-AC1667EBCBE1}">
-              <a14:hiddenEffects xmlns:a14="http://schemas.microsoft.com/office/drawing/2010/main" xmlns="">
+              <a14:hiddenEffects xmlns="" xmlns:a14="http://schemas.microsoft.com/office/drawing/2010/main">
                 <a:effectLst>
                   <a:outerShdw blurRad="63500" dist="38099" dir="2700000" algn="ctr" rotWithShape="0">
                     <a:schemeClr val="bg2">
@@ -11714,7 +11692,7 @@
           <a:effectLst/>
           <a:extLst>
             <a:ext uri="{AF507438-7753-43e0-B8FC-AC1667EBCBE1}">
-              <a14:hiddenEffects xmlns:a14="http://schemas.microsoft.com/office/drawing/2010/main" xmlns="">
+              <a14:hiddenEffects xmlns="" xmlns:a14="http://schemas.microsoft.com/office/drawing/2010/main">
                 <a:effectLst>
                   <a:outerShdw blurRad="63500" dist="38099" dir="2700000" algn="ctr" rotWithShape="0">
                     <a:schemeClr val="bg2">
@@ -11806,12 +11784,12 @@
           <a:effectLst/>
           <a:extLst>
             <a:ext uri="{909E8E84-426E-40dd-AFC4-6F175D3DCCD1}">
-              <a14:hiddenFill xmlns:a14="http://schemas.microsoft.com/office/drawing/2010/main" xmlns="">
+              <a14:hiddenFill xmlns="" xmlns:a14="http://schemas.microsoft.com/office/drawing/2010/main">
                 <a:noFill/>
               </a14:hiddenFill>
             </a:ext>
             <a:ext uri="{AF507438-7753-43e0-B8FC-AC1667EBCBE1}">
-              <a14:hiddenEffects xmlns:a14="http://schemas.microsoft.com/office/drawing/2010/main" xmlns="">
+              <a14:hiddenEffects xmlns="" xmlns:a14="http://schemas.microsoft.com/office/drawing/2010/main">
                 <a:effectLst>
                   <a:outerShdw blurRad="63500" dist="38099" dir="2700000" algn="ctr" rotWithShape="0">
                     <a:schemeClr val="bg2">
@@ -11864,12 +11842,12 @@
           <a:effectLst/>
           <a:extLst>
             <a:ext uri="{909E8E84-426E-40dd-AFC4-6F175D3DCCD1}">
-              <a14:hiddenFill xmlns:a14="http://schemas.microsoft.com/office/drawing/2010/main" xmlns="">
+              <a14:hiddenFill xmlns="" xmlns:a14="http://schemas.microsoft.com/office/drawing/2010/main">
                 <a:noFill/>
               </a14:hiddenFill>
             </a:ext>
             <a:ext uri="{AF507438-7753-43e0-B8FC-AC1667EBCBE1}">
-              <a14:hiddenEffects xmlns:a14="http://schemas.microsoft.com/office/drawing/2010/main" xmlns="">
+              <a14:hiddenEffects xmlns="" xmlns:a14="http://schemas.microsoft.com/office/drawing/2010/main">
                 <a:effectLst>
                   <a:outerShdw blurRad="63500" dist="38099" dir="2700000" algn="ctr" rotWithShape="0">
                     <a:schemeClr val="bg2">
@@ -12267,7 +12245,7 @@
           <a:effectLst/>
           <a:extLst>
             <a:ext uri="{AF507438-7753-43e0-B8FC-AC1667EBCBE1}">
-              <a14:hiddenEffects xmlns:a14="http://schemas.microsoft.com/office/drawing/2010/main" xmlns="">
+              <a14:hiddenEffects xmlns="" xmlns:a14="http://schemas.microsoft.com/office/drawing/2010/main">
                 <a:effectLst>
                   <a:outerShdw blurRad="63500" dist="38099" dir="2700000" algn="ctr" rotWithShape="0">
                     <a:schemeClr val="bg2">
@@ -12358,12 +12336,12 @@
           <a:effectLst/>
           <a:extLst>
             <a:ext uri="{909E8E84-426E-40dd-AFC4-6F175D3DCCD1}">
-              <a14:hiddenFill xmlns:a14="http://schemas.microsoft.com/office/drawing/2010/main" xmlns="">
+              <a14:hiddenFill xmlns="" xmlns:a14="http://schemas.microsoft.com/office/drawing/2010/main">
                 <a:noFill/>
               </a14:hiddenFill>
             </a:ext>
             <a:ext uri="{AF507438-7753-43e0-B8FC-AC1667EBCBE1}">
-              <a14:hiddenEffects xmlns:a14="http://schemas.microsoft.com/office/drawing/2010/main" xmlns="">
+              <a14:hiddenEffects xmlns="" xmlns:a14="http://schemas.microsoft.com/office/drawing/2010/main">
                 <a:effectLst>
                   <a:outerShdw blurRad="63500" dist="38099" dir="2700000" algn="ctr" rotWithShape="0">
                     <a:schemeClr val="bg2">

--- a/SE401/Lectures/5-Unit Testing and Junit/Unit Testing and JUnit.pptx
+++ b/SE401/Lectures/5-Unit Testing and Junit/Unit Testing and JUnit.pptx
@@ -268,7 +268,7 @@
           <a:p>
             <a:fld id="{29DC965F-4EE6-424F-87B9-6E4E065EFA1D}" type="datetimeFigureOut">
               <a:rPr lang="en-US" smtClean="0"/>
-              <a:t>9/26/2021</a:t>
+              <a:t>9/29/2021</a:t>
             </a:fld>
             <a:endParaRPr lang="en-US"/>
           </a:p>
@@ -586,14 +586,14 @@
           <a:ln/>
           <a:extLst>
             <a:ext uri="{909E8E84-426E-40dd-AFC4-6F175D3DCCD1}">
-              <a14:hiddenFill xmlns="" xmlns:a14="http://schemas.microsoft.com/office/drawing/2010/main">
+              <a14:hiddenFill xmlns:a14="http://schemas.microsoft.com/office/drawing/2010/main" xmlns="">
                 <a:solidFill>
                   <a:srgbClr val="FFFFFF"/>
                 </a:solidFill>
               </a14:hiddenFill>
             </a:ext>
             <a:ext uri="{91240B29-F687-4f45-9708-019B960494DF}">
-              <a14:hiddenLine xmlns="" xmlns:a14="http://schemas.microsoft.com/office/drawing/2010/main" w="9525">
+              <a14:hiddenLine xmlns:a14="http://schemas.microsoft.com/office/drawing/2010/main" xmlns="" w="9525">
                 <a:solidFill>
                   <a:srgbClr val="000000"/>
                 </a:solidFill>
@@ -603,7 +603,7 @@
               </a14:hiddenLine>
             </a:ext>
             <a:ext uri="{FAA26D3D-D897-4be2-8F04-BA451C77F1D7}">
-              <ma14:placeholderFlag xmlns="" xmlns:ma14="http://schemas.microsoft.com/office/mac/drawingml/2011/main" val="1"/>
+              <ma14:placeholderFlag xmlns:ma14="http://schemas.microsoft.com/office/mac/drawingml/2011/main" xmlns="" val="1"/>
             </a:ext>
           </a:extLst>
         </p:spPr>
@@ -2268,7 +2268,7 @@
           <a:p>
             <a:fld id="{22494048-E00F-4AC1-B4FB-686A894F4BF1}" type="datetime1">
               <a:rPr lang="en-US" smtClean="0"/>
-              <a:t>9/26/2021</a:t>
+              <a:t>9/29/2021</a:t>
             </a:fld>
             <a:endParaRPr lang="en-US"/>
           </a:p>
@@ -2519,7 +2519,7 @@
           <a:p>
             <a:fld id="{78C8194D-BA99-4D56-819C-D278CCA771C8}" type="datetime1">
               <a:rPr lang="en-US" smtClean="0"/>
-              <a:t>9/26/2021</a:t>
+              <a:t>9/29/2021</a:t>
             </a:fld>
             <a:endParaRPr lang="en-US"/>
           </a:p>
@@ -2699,7 +2699,7 @@
           <a:p>
             <a:fld id="{94613451-ED4A-47B2-87C8-6FE8EF1245A9}" type="datetime1">
               <a:rPr lang="en-US" smtClean="0"/>
-              <a:t>9/26/2021</a:t>
+              <a:t>9/29/2021</a:t>
             </a:fld>
             <a:endParaRPr lang="en-US"/>
           </a:p>
@@ -2869,7 +2869,7 @@
           <a:p>
             <a:fld id="{D98B30E1-5E87-4BB7-B950-E97C0CDBF3C8}" type="datetime1">
               <a:rPr lang="en-US" smtClean="0"/>
-              <a:t>9/26/2021</a:t>
+              <a:t>9/29/2021</a:t>
             </a:fld>
             <a:endParaRPr lang="en-US"/>
           </a:p>
@@ -3115,7 +3115,7 @@
           <a:p>
             <a:fld id="{1DDFC4E7-36A5-4949-A2D3-24712CC604F7}" type="datetime1">
               <a:rPr lang="en-US" smtClean="0"/>
-              <a:t>9/26/2021</a:t>
+              <a:t>9/29/2021</a:t>
             </a:fld>
             <a:endParaRPr lang="en-US"/>
           </a:p>
@@ -3347,7 +3347,7 @@
           <a:p>
             <a:fld id="{069E10FE-283F-403B-A4F0-E241DA85DB8D}" type="datetime1">
               <a:rPr lang="en-US" smtClean="0"/>
-              <a:t>9/26/2021</a:t>
+              <a:t>9/29/2021</a:t>
             </a:fld>
             <a:endParaRPr lang="en-US"/>
           </a:p>
@@ -3714,7 +3714,7 @@
           <a:p>
             <a:fld id="{42225CAC-C01D-4CA0-98FD-7EC6D89E8F91}" type="datetime1">
               <a:rPr lang="en-US" smtClean="0"/>
-              <a:t>9/26/2021</a:t>
+              <a:t>9/29/2021</a:t>
             </a:fld>
             <a:endParaRPr lang="en-US"/>
           </a:p>
@@ -3832,7 +3832,7 @@
           <a:p>
             <a:fld id="{07C88240-A4B1-46C4-96E3-48EB0E9D5573}" type="datetime1">
               <a:rPr lang="en-US" smtClean="0"/>
-              <a:t>9/26/2021</a:t>
+              <a:t>9/29/2021</a:t>
             </a:fld>
             <a:endParaRPr lang="en-US"/>
           </a:p>
@@ -3927,7 +3927,7 @@
           <a:p>
             <a:fld id="{A7E6A135-212F-4628-BF58-A98A2936E463}" type="datetime1">
               <a:rPr lang="en-US" smtClean="0"/>
-              <a:t>9/26/2021</a:t>
+              <a:t>9/29/2021</a:t>
             </a:fld>
             <a:endParaRPr lang="en-US"/>
           </a:p>
@@ -4204,7 +4204,7 @@
           <a:p>
             <a:fld id="{576334E7-57A6-4DA3-8ADA-F1BAF2C20CE5}" type="datetime1">
               <a:rPr lang="en-US" smtClean="0"/>
-              <a:t>9/26/2021</a:t>
+              <a:t>9/29/2021</a:t>
             </a:fld>
             <a:endParaRPr lang="en-US"/>
           </a:p>
@@ -4457,7 +4457,7 @@
           <a:p>
             <a:fld id="{86F98AE5-2B3E-4DFE-83A2-676C45A3AA5A}" type="datetime1">
               <a:rPr lang="en-US" smtClean="0"/>
-              <a:t>9/26/2021</a:t>
+              <a:t>9/29/2021</a:t>
             </a:fld>
             <a:endParaRPr lang="en-US"/>
           </a:p>
@@ -4671,7 +4671,7 @@
           <a:p>
             <a:fld id="{415A01DC-2099-4C8B-B4F3-C0EAB13493FD}" type="datetime1">
               <a:rPr lang="en-US" smtClean="0"/>
-              <a:t>9/26/2021</a:t>
+              <a:t>9/29/2021</a:t>
             </a:fld>
             <a:endParaRPr lang="en-US"/>
           </a:p>
@@ -7860,7 +7860,27 @@
             </a:endParaRPr>
           </a:p>
           <a:p>
+            <a:pPr lvl="1">
+              <a:lnSpc>
+                <a:spcPct val="100000"/>
+              </a:lnSpc>
+            </a:pPr>
+            <a:r>
+              <a:rPr lang="en-US" b="1" dirty="0"/>
+              <a:t>How to use JUnit with NetBeans</a:t>
+            </a:r>
+            <a:endParaRPr lang="en-US" b="1" dirty="0">
+              <a:hlinkClick r:id="rId5"/>
+            </a:endParaRPr>
+          </a:p>
+          <a:p>
             <a:pPr lvl="2"/>
+            <a:r>
+              <a:rPr lang="en-US" u="sng" dirty="0">
+                <a:hlinkClick r:id="rId5"/>
+              </a:rPr>
+              <a:t>https://testingandlearning.home.blog/2019/01/30/how-to-use-junit-with-netbeans/</a:t>
+            </a:r>
             <a:endParaRPr lang="en-US" u="sng" dirty="0">
               <a:hlinkClick r:id="rId5"/>
             </a:endParaRPr>
@@ -7990,14 +8010,30 @@
             <a:pPr lvl="1"/>
             <a:r>
               <a:rPr lang="en-US" dirty="0" smtClean="0"/>
-              <a:t>We will use the latest Eclipse IDE </a:t>
+              <a:t>We will use the latest </a:t>
+            </a:r>
+            <a:r>
+              <a:rPr lang="en-US" dirty="0" smtClean="0"/>
+              <a:t>Eclipse/NetBeans </a:t>
+            </a:r>
+            <a:r>
+              <a:rPr lang="en-US" dirty="0" smtClean="0"/>
+              <a:t>IDE </a:t>
             </a:r>
           </a:p>
           <a:p>
             <a:pPr lvl="1"/>
             <a:r>
               <a:rPr lang="en-US" dirty="0" smtClean="0"/>
-              <a:t>Download and install Eclipse IDE for Java Developers</a:t>
+              <a:t>Download and install </a:t>
+            </a:r>
+            <a:r>
+              <a:rPr lang="en-US" dirty="0"/>
+              <a:t>Eclipse/NetBeans </a:t>
+            </a:r>
+            <a:r>
+              <a:rPr lang="en-US" dirty="0" smtClean="0"/>
+              <a:t>IDE for Java Developers</a:t>
             </a:r>
           </a:p>
           <a:p>
@@ -10673,7 +10709,7 @@
           <a:effectLst/>
           <a:extLst>
             <a:ext uri="{AF507438-7753-43e0-B8FC-AC1667EBCBE1}">
-              <a14:hiddenEffects xmlns="" xmlns:a14="http://schemas.microsoft.com/office/drawing/2010/main">
+              <a14:hiddenEffects xmlns:a14="http://schemas.microsoft.com/office/drawing/2010/main" xmlns="">
                 <a:effectLst>
                   <a:outerShdw blurRad="63500" dist="38099" dir="2700000" algn="ctr" rotWithShape="0">
                     <a:schemeClr val="bg2">
@@ -10746,12 +10782,12 @@
           <a:effectLst/>
           <a:extLst>
             <a:ext uri="{909E8E84-426E-40dd-AFC4-6F175D3DCCD1}">
-              <a14:hiddenFill xmlns="" xmlns:a14="http://schemas.microsoft.com/office/drawing/2010/main">
+              <a14:hiddenFill xmlns:a14="http://schemas.microsoft.com/office/drawing/2010/main" xmlns="">
                 <a:noFill/>
               </a14:hiddenFill>
             </a:ext>
             <a:ext uri="{AF507438-7753-43e0-B8FC-AC1667EBCBE1}">
-              <a14:hiddenEffects xmlns="" xmlns:a14="http://schemas.microsoft.com/office/drawing/2010/main">
+              <a14:hiddenEffects xmlns:a14="http://schemas.microsoft.com/office/drawing/2010/main" xmlns="">
                 <a:effectLst>
                   <a:outerShdw blurRad="63500" dist="38099" dir="2700000" algn="ctr" rotWithShape="0">
                     <a:schemeClr val="bg2">
@@ -11166,7 +11202,7 @@
           <a:effectLst/>
           <a:extLst>
             <a:ext uri="{AF507438-7753-43e0-B8FC-AC1667EBCBE1}">
-              <a14:hiddenEffects xmlns="" xmlns:a14="http://schemas.microsoft.com/office/drawing/2010/main">
+              <a14:hiddenEffects xmlns:a14="http://schemas.microsoft.com/office/drawing/2010/main" xmlns="">
                 <a:effectLst>
                   <a:outerShdw blurRad="63500" dist="38099" dir="2700000" algn="ctr" rotWithShape="0">
                     <a:schemeClr val="bg2">
@@ -11262,12 +11298,12 @@
           <a:effectLst/>
           <a:extLst>
             <a:ext uri="{909E8E84-426E-40dd-AFC4-6F175D3DCCD1}">
-              <a14:hiddenFill xmlns="" xmlns:a14="http://schemas.microsoft.com/office/drawing/2010/main">
+              <a14:hiddenFill xmlns:a14="http://schemas.microsoft.com/office/drawing/2010/main" xmlns="">
                 <a:noFill/>
               </a14:hiddenFill>
             </a:ext>
             <a:ext uri="{AF507438-7753-43e0-B8FC-AC1667EBCBE1}">
-              <a14:hiddenEffects xmlns="" xmlns:a14="http://schemas.microsoft.com/office/drawing/2010/main">
+              <a14:hiddenEffects xmlns:a14="http://schemas.microsoft.com/office/drawing/2010/main" xmlns="">
                 <a:effectLst>
                   <a:outerShdw blurRad="63500" dist="38099" dir="2700000" algn="ctr" rotWithShape="0">
                     <a:schemeClr val="bg2">
@@ -11692,7 +11728,7 @@
           <a:effectLst/>
           <a:extLst>
             <a:ext uri="{AF507438-7753-43e0-B8FC-AC1667EBCBE1}">
-              <a14:hiddenEffects xmlns="" xmlns:a14="http://schemas.microsoft.com/office/drawing/2010/main">
+              <a14:hiddenEffects xmlns:a14="http://schemas.microsoft.com/office/drawing/2010/main" xmlns="">
                 <a:effectLst>
                   <a:outerShdw blurRad="63500" dist="38099" dir="2700000" algn="ctr" rotWithShape="0">
                     <a:schemeClr val="bg2">
@@ -11784,12 +11820,12 @@
           <a:effectLst/>
           <a:extLst>
             <a:ext uri="{909E8E84-426E-40dd-AFC4-6F175D3DCCD1}">
-              <a14:hiddenFill xmlns="" xmlns:a14="http://schemas.microsoft.com/office/drawing/2010/main">
+              <a14:hiddenFill xmlns:a14="http://schemas.microsoft.com/office/drawing/2010/main" xmlns="">
                 <a:noFill/>
               </a14:hiddenFill>
             </a:ext>
             <a:ext uri="{AF507438-7753-43e0-B8FC-AC1667EBCBE1}">
-              <a14:hiddenEffects xmlns="" xmlns:a14="http://schemas.microsoft.com/office/drawing/2010/main">
+              <a14:hiddenEffects xmlns:a14="http://schemas.microsoft.com/office/drawing/2010/main" xmlns="">
                 <a:effectLst>
                   <a:outerShdw blurRad="63500" dist="38099" dir="2700000" algn="ctr" rotWithShape="0">
                     <a:schemeClr val="bg2">
@@ -11842,12 +11878,12 @@
           <a:effectLst/>
           <a:extLst>
             <a:ext uri="{909E8E84-426E-40dd-AFC4-6F175D3DCCD1}">
-              <a14:hiddenFill xmlns="" xmlns:a14="http://schemas.microsoft.com/office/drawing/2010/main">
+              <a14:hiddenFill xmlns:a14="http://schemas.microsoft.com/office/drawing/2010/main" xmlns="">
                 <a:noFill/>
               </a14:hiddenFill>
             </a:ext>
             <a:ext uri="{AF507438-7753-43e0-B8FC-AC1667EBCBE1}">
-              <a14:hiddenEffects xmlns="" xmlns:a14="http://schemas.microsoft.com/office/drawing/2010/main">
+              <a14:hiddenEffects xmlns:a14="http://schemas.microsoft.com/office/drawing/2010/main" xmlns="">
                 <a:effectLst>
                   <a:outerShdw blurRad="63500" dist="38099" dir="2700000" algn="ctr" rotWithShape="0">
                     <a:schemeClr val="bg2">
@@ -12245,7 +12281,7 @@
           <a:effectLst/>
           <a:extLst>
             <a:ext uri="{AF507438-7753-43e0-B8FC-AC1667EBCBE1}">
-              <a14:hiddenEffects xmlns="" xmlns:a14="http://schemas.microsoft.com/office/drawing/2010/main">
+              <a14:hiddenEffects xmlns:a14="http://schemas.microsoft.com/office/drawing/2010/main" xmlns="">
                 <a:effectLst>
                   <a:outerShdw blurRad="63500" dist="38099" dir="2700000" algn="ctr" rotWithShape="0">
                     <a:schemeClr val="bg2">
@@ -12336,12 +12372,12 @@
           <a:effectLst/>
           <a:extLst>
             <a:ext uri="{909E8E84-426E-40dd-AFC4-6F175D3DCCD1}">
-              <a14:hiddenFill xmlns="" xmlns:a14="http://schemas.microsoft.com/office/drawing/2010/main">
+              <a14:hiddenFill xmlns:a14="http://schemas.microsoft.com/office/drawing/2010/main" xmlns="">
                 <a:noFill/>
               </a14:hiddenFill>
             </a:ext>
             <a:ext uri="{AF507438-7753-43e0-B8FC-AC1667EBCBE1}">
-              <a14:hiddenEffects xmlns="" xmlns:a14="http://schemas.microsoft.com/office/drawing/2010/main">
+              <a14:hiddenEffects xmlns:a14="http://schemas.microsoft.com/office/drawing/2010/main" xmlns="">
                 <a:effectLst>
                   <a:outerShdw blurRad="63500" dist="38099" dir="2700000" algn="ctr" rotWithShape="0">
                     <a:schemeClr val="bg2">
@@ -12789,7 +12825,11 @@
           <a:p>
             <a:r>
               <a:rPr lang="en-US" dirty="0" smtClean="0"/>
-              <a:t>Using JUnit in Eclipse </a:t>
+              <a:t>Using JUnit in </a:t>
+            </a:r>
+            <a:r>
+              <a:rPr lang="en-US" dirty="0"/>
+              <a:t>Eclipse/NetBeans </a:t>
             </a:r>
             <a:endParaRPr lang="en-US" dirty="0"/>
           </a:p>
@@ -12823,7 +12863,15 @@
             </a:pPr>
             <a:r>
               <a:rPr lang="en-US" dirty="0"/>
-              <a:t>Download and install Eclipse IDE for Java Developers</a:t>
+              <a:t>Download and install </a:t>
+            </a:r>
+            <a:r>
+              <a:rPr lang="en-US" dirty="0"/>
+              <a:t>Eclipse/NetBeans </a:t>
+            </a:r>
+            <a:r>
+              <a:rPr lang="en-US" dirty="0"/>
+              <a:t>IDE for Java Developers</a:t>
             </a:r>
           </a:p>
           <a:p>
@@ -12837,8 +12885,21 @@
                   <a:srgbClr val="0000FF"/>
                 </a:solidFill>
               </a:rPr>
-              <a:t>JUnit is included in Eclipse   </a:t>
-            </a:r>
+              <a:t>JUnit is included in </a:t>
+            </a:r>
+            <a:r>
+              <a:rPr lang="en-US" dirty="0">
+                <a:solidFill>
+                  <a:srgbClr val="0000FF"/>
+                </a:solidFill>
+              </a:rPr>
+              <a:t>Eclipse/NetBeans   </a:t>
+            </a:r>
+            <a:endParaRPr lang="en-US" dirty="0">
+              <a:solidFill>
+                <a:srgbClr val="0000FF"/>
+              </a:solidFill>
+            </a:endParaRPr>
           </a:p>
         </p:txBody>
       </p:sp>
@@ -23417,8 +23478,12 @@
           </a:p>
           <a:p>
             <a:r>
+              <a:rPr lang="en-US" dirty="0"/>
+              <a:t>Eclipse/NetBeans </a:t>
+            </a:r>
+            <a:r>
               <a:rPr lang="en-US" dirty="0" smtClean="0"/>
-              <a:t>Eclipse provides a platform for doing unit tests using JUnit as a built-in feature.</a:t>
+              <a:t>provides a platform for doing unit tests using JUnit as a built-in feature.</a:t>
             </a:r>
           </a:p>
           <a:p>

--- a/SE401/Lectures/5-Unit Testing and Junit/Unit Testing and JUnit.pptx
+++ b/SE401/Lectures/5-Unit Testing and Junit/Unit Testing and JUnit.pptx
@@ -268,7 +268,7 @@
           <a:p>
             <a:fld id="{29DC965F-4EE6-424F-87B9-6E4E065EFA1D}" type="datetimeFigureOut">
               <a:rPr lang="en-US" smtClean="0"/>
-              <a:t>9/29/2021</a:t>
+              <a:t>10/3/2021</a:t>
             </a:fld>
             <a:endParaRPr lang="en-US"/>
           </a:p>
@@ -586,14 +586,14 @@
           <a:ln/>
           <a:extLst>
             <a:ext uri="{909E8E84-426E-40dd-AFC4-6F175D3DCCD1}">
-              <a14:hiddenFill xmlns:a14="http://schemas.microsoft.com/office/drawing/2010/main" xmlns="">
+              <a14:hiddenFill xmlns="" xmlns:a14="http://schemas.microsoft.com/office/drawing/2010/main">
                 <a:solidFill>
                   <a:srgbClr val="FFFFFF"/>
                 </a:solidFill>
               </a14:hiddenFill>
             </a:ext>
             <a:ext uri="{91240B29-F687-4f45-9708-019B960494DF}">
-              <a14:hiddenLine xmlns:a14="http://schemas.microsoft.com/office/drawing/2010/main" xmlns="" w="9525">
+              <a14:hiddenLine xmlns="" xmlns:a14="http://schemas.microsoft.com/office/drawing/2010/main" w="9525">
                 <a:solidFill>
                   <a:srgbClr val="000000"/>
                 </a:solidFill>
@@ -603,7 +603,7 @@
               </a14:hiddenLine>
             </a:ext>
             <a:ext uri="{FAA26D3D-D897-4be2-8F04-BA451C77F1D7}">
-              <ma14:placeholderFlag xmlns:ma14="http://schemas.microsoft.com/office/mac/drawingml/2011/main" xmlns="" val="1"/>
+              <ma14:placeholderFlag xmlns="" xmlns:ma14="http://schemas.microsoft.com/office/mac/drawingml/2011/main" val="1"/>
             </a:ext>
           </a:extLst>
         </p:spPr>
@@ -2268,7 +2268,7 @@
           <a:p>
             <a:fld id="{22494048-E00F-4AC1-B4FB-686A894F4BF1}" type="datetime1">
               <a:rPr lang="en-US" smtClean="0"/>
-              <a:t>9/29/2021</a:t>
+              <a:t>10/3/2021</a:t>
             </a:fld>
             <a:endParaRPr lang="en-US"/>
           </a:p>
@@ -2519,7 +2519,7 @@
           <a:p>
             <a:fld id="{78C8194D-BA99-4D56-819C-D278CCA771C8}" type="datetime1">
               <a:rPr lang="en-US" smtClean="0"/>
-              <a:t>9/29/2021</a:t>
+              <a:t>10/3/2021</a:t>
             </a:fld>
             <a:endParaRPr lang="en-US"/>
           </a:p>
@@ -2699,7 +2699,7 @@
           <a:p>
             <a:fld id="{94613451-ED4A-47B2-87C8-6FE8EF1245A9}" type="datetime1">
               <a:rPr lang="en-US" smtClean="0"/>
-              <a:t>9/29/2021</a:t>
+              <a:t>10/3/2021</a:t>
             </a:fld>
             <a:endParaRPr lang="en-US"/>
           </a:p>
@@ -2869,7 +2869,7 @@
           <a:p>
             <a:fld id="{D98B30E1-5E87-4BB7-B950-E97C0CDBF3C8}" type="datetime1">
               <a:rPr lang="en-US" smtClean="0"/>
-              <a:t>9/29/2021</a:t>
+              <a:t>10/3/2021</a:t>
             </a:fld>
             <a:endParaRPr lang="en-US"/>
           </a:p>
@@ -3115,7 +3115,7 @@
           <a:p>
             <a:fld id="{1DDFC4E7-36A5-4949-A2D3-24712CC604F7}" type="datetime1">
               <a:rPr lang="en-US" smtClean="0"/>
-              <a:t>9/29/2021</a:t>
+              <a:t>10/3/2021</a:t>
             </a:fld>
             <a:endParaRPr lang="en-US"/>
           </a:p>
@@ -3347,7 +3347,7 @@
           <a:p>
             <a:fld id="{069E10FE-283F-403B-A4F0-E241DA85DB8D}" type="datetime1">
               <a:rPr lang="en-US" smtClean="0"/>
-              <a:t>9/29/2021</a:t>
+              <a:t>10/3/2021</a:t>
             </a:fld>
             <a:endParaRPr lang="en-US"/>
           </a:p>
@@ -3714,7 +3714,7 @@
           <a:p>
             <a:fld id="{42225CAC-C01D-4CA0-98FD-7EC6D89E8F91}" type="datetime1">
               <a:rPr lang="en-US" smtClean="0"/>
-              <a:t>9/29/2021</a:t>
+              <a:t>10/3/2021</a:t>
             </a:fld>
             <a:endParaRPr lang="en-US"/>
           </a:p>
@@ -3832,7 +3832,7 @@
           <a:p>
             <a:fld id="{07C88240-A4B1-46C4-96E3-48EB0E9D5573}" type="datetime1">
               <a:rPr lang="en-US" smtClean="0"/>
-              <a:t>9/29/2021</a:t>
+              <a:t>10/3/2021</a:t>
             </a:fld>
             <a:endParaRPr lang="en-US"/>
           </a:p>
@@ -3927,7 +3927,7 @@
           <a:p>
             <a:fld id="{A7E6A135-212F-4628-BF58-A98A2936E463}" type="datetime1">
               <a:rPr lang="en-US" smtClean="0"/>
-              <a:t>9/29/2021</a:t>
+              <a:t>10/3/2021</a:t>
             </a:fld>
             <a:endParaRPr lang="en-US"/>
           </a:p>
@@ -4204,7 +4204,7 @@
           <a:p>
             <a:fld id="{576334E7-57A6-4DA3-8ADA-F1BAF2C20CE5}" type="datetime1">
               <a:rPr lang="en-US" smtClean="0"/>
-              <a:t>9/29/2021</a:t>
+              <a:t>10/3/2021</a:t>
             </a:fld>
             <a:endParaRPr lang="en-US"/>
           </a:p>
@@ -4457,7 +4457,7 @@
           <a:p>
             <a:fld id="{86F98AE5-2B3E-4DFE-83A2-676C45A3AA5A}" type="datetime1">
               <a:rPr lang="en-US" smtClean="0"/>
-              <a:t>9/29/2021</a:t>
+              <a:t>10/3/2021</a:t>
             </a:fld>
             <a:endParaRPr lang="en-US"/>
           </a:p>
@@ -4671,7 +4671,7 @@
           <a:p>
             <a:fld id="{415A01DC-2099-4C8B-B4F3-C0EAB13493FD}" type="datetime1">
               <a:rPr lang="en-US" smtClean="0"/>
-              <a:t>9/29/2021</a:t>
+              <a:t>10/3/2021</a:t>
             </a:fld>
             <a:endParaRPr lang="en-US"/>
           </a:p>
@@ -7881,9 +7881,6 @@
               </a:rPr>
               <a:t>https://testingandlearning.home.blog/2019/01/30/how-to-use-junit-with-netbeans/</a:t>
             </a:r>
-            <a:endParaRPr lang="en-US" u="sng" dirty="0">
-              <a:hlinkClick r:id="rId5"/>
-            </a:endParaRPr>
           </a:p>
           <a:p>
             <a:pPr lvl="1">
@@ -8010,15 +8007,7 @@
             <a:pPr lvl="1"/>
             <a:r>
               <a:rPr lang="en-US" dirty="0" smtClean="0"/>
-              <a:t>We will use the latest </a:t>
-            </a:r>
-            <a:r>
-              <a:rPr lang="en-US" dirty="0" smtClean="0"/>
-              <a:t>Eclipse/NetBeans </a:t>
-            </a:r>
-            <a:r>
-              <a:rPr lang="en-US" dirty="0" smtClean="0"/>
-              <a:t>IDE </a:t>
+              <a:t>We will use the latest Eclipse/NetBeans IDE </a:t>
             </a:r>
           </a:p>
           <a:p>
@@ -8072,12 +8061,20 @@
               <a:buNone/>
             </a:pPr>
             <a:r>
+              <a:rPr lang="en-US" sz="3200" b="1" dirty="0" smtClean="0">
+                <a:solidFill>
+                  <a:srgbClr val="FF0000"/>
+                </a:solidFill>
+              </a:rPr>
+              <a:t>You can </a:t>
+            </a:r>
+            <a:r>
               <a:rPr lang="en-US" sz="3200" b="1" dirty="0">
                 <a:solidFill>
                   <a:srgbClr val="FF0000"/>
                 </a:solidFill>
               </a:rPr>
-              <a:t>We will use both methods of running JUnit.   </a:t>
+              <a:t>use both methods of running JUnit.   </a:t>
             </a:r>
           </a:p>
           <a:p>
@@ -10709,7 +10706,7 @@
           <a:effectLst/>
           <a:extLst>
             <a:ext uri="{AF507438-7753-43e0-B8FC-AC1667EBCBE1}">
-              <a14:hiddenEffects xmlns:a14="http://schemas.microsoft.com/office/drawing/2010/main" xmlns="">
+              <a14:hiddenEffects xmlns="" xmlns:a14="http://schemas.microsoft.com/office/drawing/2010/main">
                 <a:effectLst>
                   <a:outerShdw blurRad="63500" dist="38099" dir="2700000" algn="ctr" rotWithShape="0">
                     <a:schemeClr val="bg2">
@@ -10782,12 +10779,12 @@
           <a:effectLst/>
           <a:extLst>
             <a:ext uri="{909E8E84-426E-40dd-AFC4-6F175D3DCCD1}">
-              <a14:hiddenFill xmlns:a14="http://schemas.microsoft.com/office/drawing/2010/main" xmlns="">
+              <a14:hiddenFill xmlns="" xmlns:a14="http://schemas.microsoft.com/office/drawing/2010/main">
                 <a:noFill/>
               </a14:hiddenFill>
             </a:ext>
             <a:ext uri="{AF507438-7753-43e0-B8FC-AC1667EBCBE1}">
-              <a14:hiddenEffects xmlns:a14="http://schemas.microsoft.com/office/drawing/2010/main" xmlns="">
+              <a14:hiddenEffects xmlns="" xmlns:a14="http://schemas.microsoft.com/office/drawing/2010/main">
                 <a:effectLst>
                   <a:outerShdw blurRad="63500" dist="38099" dir="2700000" algn="ctr" rotWithShape="0">
                     <a:schemeClr val="bg2">
@@ -11202,7 +11199,7 @@
           <a:effectLst/>
           <a:extLst>
             <a:ext uri="{AF507438-7753-43e0-B8FC-AC1667EBCBE1}">
-              <a14:hiddenEffects xmlns:a14="http://schemas.microsoft.com/office/drawing/2010/main" xmlns="">
+              <a14:hiddenEffects xmlns="" xmlns:a14="http://schemas.microsoft.com/office/drawing/2010/main">
                 <a:effectLst>
                   <a:outerShdw blurRad="63500" dist="38099" dir="2700000" algn="ctr" rotWithShape="0">
                     <a:schemeClr val="bg2">
@@ -11298,12 +11295,12 @@
           <a:effectLst/>
           <a:extLst>
             <a:ext uri="{909E8E84-426E-40dd-AFC4-6F175D3DCCD1}">
-              <a14:hiddenFill xmlns:a14="http://schemas.microsoft.com/office/drawing/2010/main" xmlns="">
+              <a14:hiddenFill xmlns="" xmlns:a14="http://schemas.microsoft.com/office/drawing/2010/main">
                 <a:noFill/>
               </a14:hiddenFill>
             </a:ext>
             <a:ext uri="{AF507438-7753-43e0-B8FC-AC1667EBCBE1}">
-              <a14:hiddenEffects xmlns:a14="http://schemas.microsoft.com/office/drawing/2010/main" xmlns="">
+              <a14:hiddenEffects xmlns="" xmlns:a14="http://schemas.microsoft.com/office/drawing/2010/main">
                 <a:effectLst>
                   <a:outerShdw blurRad="63500" dist="38099" dir="2700000" algn="ctr" rotWithShape="0">
                     <a:schemeClr val="bg2">
@@ -11728,7 +11725,7 @@
           <a:effectLst/>
           <a:extLst>
             <a:ext uri="{AF507438-7753-43e0-B8FC-AC1667EBCBE1}">
-              <a14:hiddenEffects xmlns:a14="http://schemas.microsoft.com/office/drawing/2010/main" xmlns="">
+              <a14:hiddenEffects xmlns="" xmlns:a14="http://schemas.microsoft.com/office/drawing/2010/main">
                 <a:effectLst>
                   <a:outerShdw blurRad="63500" dist="38099" dir="2700000" algn="ctr" rotWithShape="0">
                     <a:schemeClr val="bg2">
@@ -11820,12 +11817,12 @@
           <a:effectLst/>
           <a:extLst>
             <a:ext uri="{909E8E84-426E-40dd-AFC4-6F175D3DCCD1}">
-              <a14:hiddenFill xmlns:a14="http://schemas.microsoft.com/office/drawing/2010/main" xmlns="">
+              <a14:hiddenFill xmlns="" xmlns:a14="http://schemas.microsoft.com/office/drawing/2010/main">
                 <a:noFill/>
               </a14:hiddenFill>
             </a:ext>
             <a:ext uri="{AF507438-7753-43e0-B8FC-AC1667EBCBE1}">
-              <a14:hiddenEffects xmlns:a14="http://schemas.microsoft.com/office/drawing/2010/main" xmlns="">
+              <a14:hiddenEffects xmlns="" xmlns:a14="http://schemas.microsoft.com/office/drawing/2010/main">
                 <a:effectLst>
                   <a:outerShdw blurRad="63500" dist="38099" dir="2700000" algn="ctr" rotWithShape="0">
                     <a:schemeClr val="bg2">
@@ -11878,12 +11875,12 @@
           <a:effectLst/>
           <a:extLst>
             <a:ext uri="{909E8E84-426E-40dd-AFC4-6F175D3DCCD1}">
-              <a14:hiddenFill xmlns:a14="http://schemas.microsoft.com/office/drawing/2010/main" xmlns="">
+              <a14:hiddenFill xmlns="" xmlns:a14="http://schemas.microsoft.com/office/drawing/2010/main">
                 <a:noFill/>
               </a14:hiddenFill>
             </a:ext>
             <a:ext uri="{AF507438-7753-43e0-B8FC-AC1667EBCBE1}">
-              <a14:hiddenEffects xmlns:a14="http://schemas.microsoft.com/office/drawing/2010/main" xmlns="">
+              <a14:hiddenEffects xmlns="" xmlns:a14="http://schemas.microsoft.com/office/drawing/2010/main">
                 <a:effectLst>
                   <a:outerShdw blurRad="63500" dist="38099" dir="2700000" algn="ctr" rotWithShape="0">
                     <a:schemeClr val="bg2">
@@ -12281,7 +12278,7 @@
           <a:effectLst/>
           <a:extLst>
             <a:ext uri="{AF507438-7753-43e0-B8FC-AC1667EBCBE1}">
-              <a14:hiddenEffects xmlns:a14="http://schemas.microsoft.com/office/drawing/2010/main" xmlns="">
+              <a14:hiddenEffects xmlns="" xmlns:a14="http://schemas.microsoft.com/office/drawing/2010/main">
                 <a:effectLst>
                   <a:outerShdw blurRad="63500" dist="38099" dir="2700000" algn="ctr" rotWithShape="0">
                     <a:schemeClr val="bg2">
@@ -12372,12 +12369,12 @@
           <a:effectLst/>
           <a:extLst>
             <a:ext uri="{909E8E84-426E-40dd-AFC4-6F175D3DCCD1}">
-              <a14:hiddenFill xmlns:a14="http://schemas.microsoft.com/office/drawing/2010/main" xmlns="">
+              <a14:hiddenFill xmlns="" xmlns:a14="http://schemas.microsoft.com/office/drawing/2010/main">
                 <a:noFill/>
               </a14:hiddenFill>
             </a:ext>
             <a:ext uri="{AF507438-7753-43e0-B8FC-AC1667EBCBE1}">
-              <a14:hiddenEffects xmlns:a14="http://schemas.microsoft.com/office/drawing/2010/main" xmlns="">
+              <a14:hiddenEffects xmlns="" xmlns:a14="http://schemas.microsoft.com/office/drawing/2010/main">
                 <a:effectLst>
                   <a:outerShdw blurRad="63500" dist="38099" dir="2700000" algn="ctr" rotWithShape="0">
                     <a:schemeClr val="bg2">
@@ -12831,7 +12828,6 @@
               <a:rPr lang="en-US" dirty="0"/>
               <a:t>Eclipse/NetBeans </a:t>
             </a:r>
-            <a:endParaRPr lang="en-US" dirty="0"/>
           </a:p>
         </p:txBody>
       </p:sp>
@@ -12863,15 +12859,7 @@
             </a:pPr>
             <a:r>
               <a:rPr lang="en-US" dirty="0"/>
-              <a:t>Download and install </a:t>
-            </a:r>
-            <a:r>
-              <a:rPr lang="en-US" dirty="0"/>
-              <a:t>Eclipse/NetBeans </a:t>
-            </a:r>
-            <a:r>
-              <a:rPr lang="en-US" dirty="0"/>
-              <a:t>IDE for Java Developers</a:t>
+              <a:t>Download and install Eclipse/NetBeans IDE for Java Developers</a:t>
             </a:r>
           </a:p>
           <a:p>
@@ -12885,21 +12873,8 @@
                   <a:srgbClr val="0000FF"/>
                 </a:solidFill>
               </a:rPr>
-              <a:t>JUnit is included in </a:t>
-            </a:r>
-            <a:r>
-              <a:rPr lang="en-US" dirty="0">
-                <a:solidFill>
-                  <a:srgbClr val="0000FF"/>
-                </a:solidFill>
-              </a:rPr>
-              <a:t>Eclipse/NetBeans   </a:t>
-            </a:r>
-            <a:endParaRPr lang="en-US" dirty="0">
-              <a:solidFill>
-                <a:srgbClr val="0000FF"/>
-              </a:solidFill>
-            </a:endParaRPr>
+              <a:t>JUnit is included in Eclipse/NetBeans   </a:t>
+            </a:r>
           </a:p>
         </p:txBody>
       </p:sp>

--- a/SE401/Lectures/5-Unit Testing and Junit/Unit Testing and JUnit.pptx
+++ b/SE401/Lectures/5-Unit Testing and Junit/Unit Testing and JUnit.pptx
@@ -5,7 +5,7 @@
     <p:sldMasterId id="2147483648" r:id="rId1"/>
   </p:sldMasterIdLst>
   <p:notesMasterIdLst>
-    <p:notesMasterId r:id="rId74"/>
+    <p:notesMasterId r:id="rId76"/>
   </p:notesMasterIdLst>
   <p:sldIdLst>
     <p:sldId id="257" r:id="rId2"/>
@@ -77,9 +77,11 @@
     <p:sldId id="356" r:id="rId68"/>
     <p:sldId id="357" r:id="rId69"/>
     <p:sldId id="358" r:id="rId70"/>
-    <p:sldId id="359" r:id="rId71"/>
-    <p:sldId id="360" r:id="rId72"/>
-    <p:sldId id="361" r:id="rId73"/>
+    <p:sldId id="362" r:id="rId71"/>
+    <p:sldId id="363" r:id="rId72"/>
+    <p:sldId id="359" r:id="rId73"/>
+    <p:sldId id="360" r:id="rId74"/>
+    <p:sldId id="361" r:id="rId75"/>
   </p:sldIdLst>
   <p:sldSz cx="12192000" cy="6858000"/>
   <p:notesSz cx="6858000" cy="9144000"/>
@@ -268,7 +270,7 @@
           <a:p>
             <a:fld id="{29DC965F-4EE6-424F-87B9-6E4E065EFA1D}" type="datetimeFigureOut">
               <a:rPr lang="en-US" smtClean="0"/>
-              <a:t>10/3/2021</a:t>
+              <a:t>10/4/2021</a:t>
             </a:fld>
             <a:endParaRPr lang="en-US"/>
           </a:p>
@@ -586,14 +588,14 @@
           <a:ln/>
           <a:extLst>
             <a:ext uri="{909E8E84-426E-40dd-AFC4-6F175D3DCCD1}">
-              <a14:hiddenFill xmlns="" xmlns:a14="http://schemas.microsoft.com/office/drawing/2010/main">
+              <a14:hiddenFill xmlns:a14="http://schemas.microsoft.com/office/drawing/2010/main" xmlns="">
                 <a:solidFill>
                   <a:srgbClr val="FFFFFF"/>
                 </a:solidFill>
               </a14:hiddenFill>
             </a:ext>
             <a:ext uri="{91240B29-F687-4f45-9708-019B960494DF}">
-              <a14:hiddenLine xmlns="" xmlns:a14="http://schemas.microsoft.com/office/drawing/2010/main" w="9525">
+              <a14:hiddenLine xmlns:a14="http://schemas.microsoft.com/office/drawing/2010/main" xmlns="" w="9525">
                 <a:solidFill>
                   <a:srgbClr val="000000"/>
                 </a:solidFill>
@@ -603,7 +605,7 @@
               </a14:hiddenLine>
             </a:ext>
             <a:ext uri="{FAA26D3D-D897-4be2-8F04-BA451C77F1D7}">
-              <ma14:placeholderFlag xmlns="" xmlns:ma14="http://schemas.microsoft.com/office/mac/drawingml/2011/main" val="1"/>
+              <ma14:placeholderFlag xmlns:ma14="http://schemas.microsoft.com/office/mac/drawingml/2011/main" xmlns="" val="1"/>
             </a:ext>
           </a:extLst>
         </p:spPr>
@@ -734,6 +736,408 @@
     <p:extLst>
       <p:ext uri="{BB962C8B-B14F-4D97-AF65-F5344CB8AC3E}">
         <p14:creationId xmlns:p14="http://schemas.microsoft.com/office/powerpoint/2010/main" val="3441143095"/>
+      </p:ext>
+    </p:extLst>
+  </p:cSld>
+  <p:clrMapOvr>
+    <a:masterClrMapping/>
+  </p:clrMapOvr>
+</p:notes>
+</file>
+
+<file path=ppt/notesSlides/notesSlide10.xml><?xml version="1.0" encoding="utf-8"?>
+<p:notes xmlns:a="http://schemas.openxmlformats.org/drawingml/2006/main" xmlns:r="http://schemas.openxmlformats.org/officeDocument/2006/relationships" xmlns:p="http://schemas.openxmlformats.org/presentationml/2006/main">
+  <p:cSld>
+    <p:spTree>
+      <p:nvGrpSpPr>
+        <p:cNvPr id="1" name=""/>
+        <p:cNvGrpSpPr/>
+        <p:nvPr/>
+      </p:nvGrpSpPr>
+      <p:grpSpPr>
+        <a:xfrm>
+          <a:off x="0" y="0"/>
+          <a:ext cx="0" cy="0"/>
+          <a:chOff x="0" y="0"/>
+          <a:chExt cx="0" cy="0"/>
+        </a:xfrm>
+      </p:grpSpPr>
+      <p:sp>
+        <p:nvSpPr>
+          <p:cNvPr id="23554" name="Slide Image Placeholder 1"/>
+          <p:cNvSpPr>
+            <a:spLocks noGrp="1" noRot="1" noChangeAspect="1" noTextEdit="1"/>
+          </p:cNvSpPr>
+          <p:nvPr>
+            <p:ph type="sldImg"/>
+          </p:nvPr>
+        </p:nvSpPr>
+        <p:spPr>
+          <a:ln/>
+        </p:spPr>
+      </p:sp>
+      <p:sp>
+        <p:nvSpPr>
+          <p:cNvPr id="23555" name="Notes Placeholder 2"/>
+          <p:cNvSpPr>
+            <a:spLocks noGrp="1"/>
+          </p:cNvSpPr>
+          <p:nvPr>
+            <p:ph type="body" idx="1"/>
+          </p:nvPr>
+        </p:nvSpPr>
+        <p:spPr>
+          <a:noFill/>
+          <a:ln/>
+          <a:extLst>
+            <a:ext uri="{909E8E84-426E-40DD-AFC4-6F175D3DCCD1}">
+              <a14:hiddenFill xmlns:a14="http://schemas.microsoft.com/office/drawing/2010/main">
+                <a:solidFill>
+                  <a:srgbClr val="FFFFFF"/>
+                </a:solidFill>
+              </a14:hiddenFill>
+            </a:ext>
+            <a:ext uri="{91240B29-F687-4F45-9708-019B960494DF}">
+              <a14:hiddenLine xmlns:a14="http://schemas.microsoft.com/office/drawing/2010/main" w="9525">
+                <a:solidFill>
+                  <a:srgbClr val="000000"/>
+                </a:solidFill>
+                <a:miter lim="800000"/>
+                <a:headEnd/>
+                <a:tailEnd/>
+              </a14:hiddenLine>
+            </a:ext>
+          </a:extLst>
+        </p:spPr>
+        <p:txBody>
+          <a:bodyPr/>
+          <a:lstStyle/>
+          <a:p>
+            <a:pPr eaLnBrk="1" hangingPunct="1"/>
+            <a:endParaRPr lang="en-US" dirty="0"/>
+          </a:p>
+        </p:txBody>
+      </p:sp>
+      <p:sp>
+        <p:nvSpPr>
+          <p:cNvPr id="23556" name="Slide Number Placeholder 3"/>
+          <p:cNvSpPr>
+            <a:spLocks noGrp="1"/>
+          </p:cNvSpPr>
+          <p:nvPr>
+            <p:ph type="sldNum" sz="quarter" idx="5"/>
+          </p:nvPr>
+        </p:nvSpPr>
+        <p:spPr>
+          <a:noFill/>
+          <a:ln/>
+          <a:extLst>
+            <a:ext uri="{909E8E84-426E-40DD-AFC4-6F175D3DCCD1}">
+              <a14:hiddenFill xmlns:a14="http://schemas.microsoft.com/office/drawing/2010/main">
+                <a:solidFill>
+                  <a:srgbClr val="FFFFFF"/>
+                </a:solidFill>
+              </a14:hiddenFill>
+            </a:ext>
+            <a:ext uri="{91240B29-F687-4F45-9708-019B960494DF}">
+              <a14:hiddenLine xmlns:a14="http://schemas.microsoft.com/office/drawing/2010/main" w="9525">
+                <a:solidFill>
+                  <a:srgbClr val="000000"/>
+                </a:solidFill>
+                <a:miter lim="800000"/>
+                <a:headEnd/>
+                <a:tailEnd/>
+              </a14:hiddenLine>
+            </a:ext>
+          </a:extLst>
+        </p:spPr>
+        <p:txBody>
+          <a:bodyPr/>
+          <a:lstStyle>
+            <a:lvl1pPr eaLnBrk="0" hangingPunct="0">
+              <a:defRPr sz="2400">
+                <a:solidFill>
+                  <a:schemeClr val="tx1"/>
+                </a:solidFill>
+                <a:latin typeface="Tahoma" charset="0"/>
+              </a:defRPr>
+            </a:lvl1pPr>
+            <a:lvl2pPr marL="742950" indent="-285750" eaLnBrk="0" hangingPunct="0">
+              <a:defRPr sz="2400">
+                <a:solidFill>
+                  <a:schemeClr val="tx1"/>
+                </a:solidFill>
+                <a:latin typeface="Tahoma" charset="0"/>
+              </a:defRPr>
+            </a:lvl2pPr>
+            <a:lvl3pPr marL="1143000" indent="-228600" eaLnBrk="0" hangingPunct="0">
+              <a:defRPr sz="2400">
+                <a:solidFill>
+                  <a:schemeClr val="tx1"/>
+                </a:solidFill>
+                <a:latin typeface="Tahoma" charset="0"/>
+              </a:defRPr>
+            </a:lvl3pPr>
+            <a:lvl4pPr marL="1600200" indent="-228600" eaLnBrk="0" hangingPunct="0">
+              <a:defRPr sz="2400">
+                <a:solidFill>
+                  <a:schemeClr val="tx1"/>
+                </a:solidFill>
+                <a:latin typeface="Tahoma" charset="0"/>
+              </a:defRPr>
+            </a:lvl4pPr>
+            <a:lvl5pPr marL="2057400" indent="-228600" eaLnBrk="0" hangingPunct="0">
+              <a:defRPr sz="2400">
+                <a:solidFill>
+                  <a:schemeClr val="tx1"/>
+                </a:solidFill>
+                <a:latin typeface="Tahoma" charset="0"/>
+              </a:defRPr>
+            </a:lvl5pPr>
+            <a:lvl6pPr marL="2514600" indent="-228600" eaLnBrk="0" fontAlgn="base" hangingPunct="0">
+              <a:spcBef>
+                <a:spcPct val="0"/>
+              </a:spcBef>
+              <a:spcAft>
+                <a:spcPct val="0"/>
+              </a:spcAft>
+              <a:defRPr sz="2400">
+                <a:solidFill>
+                  <a:schemeClr val="tx1"/>
+                </a:solidFill>
+                <a:latin typeface="Tahoma" charset="0"/>
+              </a:defRPr>
+            </a:lvl6pPr>
+            <a:lvl7pPr marL="2971800" indent="-228600" eaLnBrk="0" fontAlgn="base" hangingPunct="0">
+              <a:spcBef>
+                <a:spcPct val="0"/>
+              </a:spcBef>
+              <a:spcAft>
+                <a:spcPct val="0"/>
+              </a:spcAft>
+              <a:defRPr sz="2400">
+                <a:solidFill>
+                  <a:schemeClr val="tx1"/>
+                </a:solidFill>
+                <a:latin typeface="Tahoma" charset="0"/>
+              </a:defRPr>
+            </a:lvl7pPr>
+            <a:lvl8pPr marL="3429000" indent="-228600" eaLnBrk="0" fontAlgn="base" hangingPunct="0">
+              <a:spcBef>
+                <a:spcPct val="0"/>
+              </a:spcBef>
+              <a:spcAft>
+                <a:spcPct val="0"/>
+              </a:spcAft>
+              <a:defRPr sz="2400">
+                <a:solidFill>
+                  <a:schemeClr val="tx1"/>
+                </a:solidFill>
+                <a:latin typeface="Tahoma" charset="0"/>
+              </a:defRPr>
+            </a:lvl8pPr>
+            <a:lvl9pPr marL="3886200" indent="-228600" eaLnBrk="0" fontAlgn="base" hangingPunct="0">
+              <a:spcBef>
+                <a:spcPct val="0"/>
+              </a:spcBef>
+              <a:spcAft>
+                <a:spcPct val="0"/>
+              </a:spcAft>
+              <a:defRPr sz="2400">
+                <a:solidFill>
+                  <a:schemeClr val="tx1"/>
+                </a:solidFill>
+                <a:latin typeface="Tahoma" charset="0"/>
+              </a:defRPr>
+            </a:lvl9pPr>
+          </a:lstStyle>
+          <a:p>
+            <a:pPr eaLnBrk="1" hangingPunct="1"/>
+            <a:fld id="{E654E663-57AB-4385-86F2-6F3BA292AC98}" type="slidenum">
+              <a:rPr lang="en-US" sz="1200" smtClean="0"/>
+              <a:pPr eaLnBrk="1" hangingPunct="1"/>
+              <a:t>71</a:t>
+            </a:fld>
+            <a:endParaRPr lang="en-US" sz="1200"/>
+          </a:p>
+        </p:txBody>
+      </p:sp>
+    </p:spTree>
+    <p:extLst>
+      <p:ext uri="{BB962C8B-B14F-4D97-AF65-F5344CB8AC3E}">
+        <p14:creationId xmlns:p14="http://schemas.microsoft.com/office/powerpoint/2010/main" val="413834863"/>
+      </p:ext>
+    </p:extLst>
+  </p:cSld>
+  <p:clrMapOvr>
+    <a:masterClrMapping/>
+  </p:clrMapOvr>
+</p:notes>
+</file>
+
+<file path=ppt/notesSlides/notesSlide11.xml><?xml version="1.0" encoding="utf-8"?>
+<p:notes xmlns:a="http://schemas.openxmlformats.org/drawingml/2006/main" xmlns:r="http://schemas.openxmlformats.org/officeDocument/2006/relationships" xmlns:p="http://schemas.openxmlformats.org/presentationml/2006/main">
+  <p:cSld>
+    <p:spTree>
+      <p:nvGrpSpPr>
+        <p:cNvPr id="1" name=""/>
+        <p:cNvGrpSpPr/>
+        <p:nvPr/>
+      </p:nvGrpSpPr>
+      <p:grpSpPr>
+        <a:xfrm>
+          <a:off x="0" y="0"/>
+          <a:ext cx="0" cy="0"/>
+          <a:chOff x="0" y="0"/>
+          <a:chExt cx="0" cy="0"/>
+        </a:xfrm>
+      </p:grpSpPr>
+      <p:sp>
+        <p:nvSpPr>
+          <p:cNvPr id="2" name="Slide Image Placeholder 1"/>
+          <p:cNvSpPr>
+            <a:spLocks noGrp="1" noRot="1" noChangeAspect="1"/>
+          </p:cNvSpPr>
+          <p:nvPr>
+            <p:ph type="sldImg"/>
+          </p:nvPr>
+        </p:nvSpPr>
+        <p:spPr/>
+      </p:sp>
+      <p:sp>
+        <p:nvSpPr>
+          <p:cNvPr id="3" name="Notes Placeholder 2"/>
+          <p:cNvSpPr>
+            <a:spLocks noGrp="1"/>
+          </p:cNvSpPr>
+          <p:nvPr>
+            <p:ph type="body" idx="1"/>
+          </p:nvPr>
+        </p:nvSpPr>
+        <p:spPr/>
+        <p:txBody>
+          <a:bodyPr/>
+          <a:lstStyle/>
+          <a:p>
+            <a:endParaRPr lang="en-US" dirty="0"/>
+          </a:p>
+        </p:txBody>
+      </p:sp>
+      <p:sp>
+        <p:nvSpPr>
+          <p:cNvPr id="12" name="Date Placeholder 11"/>
+          <p:cNvSpPr>
+            <a:spLocks noGrp="1"/>
+          </p:cNvSpPr>
+          <p:nvPr>
+            <p:ph type="dt" idx="10"/>
+          </p:nvPr>
+        </p:nvSpPr>
+        <p:spPr/>
+        <p:txBody>
+          <a:bodyPr/>
+          <a:lstStyle/>
+          <a:p>
+            <a:pPr>
+              <a:defRPr/>
+            </a:pPr>
+            <a:r>
+              <a:rPr lang="en-US" dirty="0" smtClean="0"/>
+              <a:t>April 18, 2017</a:t>
+            </a:r>
+            <a:endParaRPr lang="en-US" dirty="0"/>
+          </a:p>
+        </p:txBody>
+      </p:sp>
+      <p:sp>
+        <p:nvSpPr>
+          <p:cNvPr id="13" name="Footer Placeholder 12"/>
+          <p:cNvSpPr>
+            <a:spLocks noGrp="1"/>
+          </p:cNvSpPr>
+          <p:nvPr>
+            <p:ph type="ftr" sz="quarter" idx="11"/>
+          </p:nvPr>
+        </p:nvSpPr>
+        <p:spPr/>
+        <p:txBody>
+          <a:bodyPr/>
+          <a:lstStyle/>
+          <a:p>
+            <a:pPr>
+              <a:defRPr/>
+            </a:pPr>
+            <a:r>
+              <a:rPr lang="en-US" dirty="0" smtClean="0"/>
+              <a:t>Lecture 4</a:t>
+            </a:r>
+            <a:endParaRPr lang="en-US" dirty="0"/>
+          </a:p>
+        </p:txBody>
+      </p:sp>
+      <p:sp>
+        <p:nvSpPr>
+          <p:cNvPr id="15" name="Header Placeholder 14"/>
+          <p:cNvSpPr>
+            <a:spLocks noGrp="1"/>
+          </p:cNvSpPr>
+          <p:nvPr>
+            <p:ph type="hdr" sz="quarter" idx="13"/>
+          </p:nvPr>
+        </p:nvSpPr>
+        <p:spPr/>
+        <p:txBody>
+          <a:bodyPr/>
+          <a:lstStyle/>
+          <a:p>
+            <a:pPr>
+              <a:defRPr/>
+            </a:pPr>
+            <a:r>
+              <a:rPr lang="en-US" dirty="0" smtClean="0"/>
+              <a:t>SE 433</a:t>
+            </a:r>
+            <a:endParaRPr lang="en-US" dirty="0"/>
+          </a:p>
+        </p:txBody>
+      </p:sp>
+      <p:sp>
+        <p:nvSpPr>
+          <p:cNvPr id="16" name="Slide Number Placeholder 15"/>
+          <p:cNvSpPr>
+            <a:spLocks noGrp="1"/>
+          </p:cNvSpPr>
+          <p:nvPr>
+            <p:ph type="sldNum" sz="quarter" idx="14"/>
+          </p:nvPr>
+        </p:nvSpPr>
+        <p:spPr/>
+        <p:txBody>
+          <a:bodyPr/>
+          <a:lstStyle/>
+          <a:p>
+            <a:pPr>
+              <a:defRPr/>
+            </a:pPr>
+            <a:fld id="{F0410F35-0C47-794C-85F9-FC23048F5283}" type="slidenum">
+              <a:rPr lang="en-US" smtClean="0"/>
+              <a:pPr>
+                <a:defRPr/>
+              </a:pPr>
+              <a:t>74</a:t>
+            </a:fld>
+            <a:r>
+              <a:rPr lang="en-US" dirty="0" smtClean="0"/>
+              <a:t> of 101</a:t>
+            </a:r>
+            <a:endParaRPr lang="en-US" dirty="0"/>
+          </a:p>
+        </p:txBody>
+      </p:sp>
+    </p:spTree>
+    <p:extLst>
+      <p:ext uri="{BB962C8B-B14F-4D97-AF65-F5344CB8AC3E}">
+        <p14:creationId xmlns:p14="http://schemas.microsoft.com/office/powerpoint/2010/main" val="3604098991"/>
       </p:ext>
     </p:extLst>
   </p:cSld>
@@ -1970,19 +2374,21 @@
       </p:grpSpPr>
       <p:sp>
         <p:nvSpPr>
-          <p:cNvPr id="2" name="Slide Image Placeholder 1"/>
-          <p:cNvSpPr>
-            <a:spLocks noGrp="1" noRot="1" noChangeAspect="1"/>
+          <p:cNvPr id="23554" name="Slide Image Placeholder 1"/>
+          <p:cNvSpPr>
+            <a:spLocks noGrp="1" noRot="1" noChangeAspect="1" noTextEdit="1"/>
           </p:cNvSpPr>
           <p:nvPr>
             <p:ph type="sldImg"/>
           </p:nvPr>
         </p:nvSpPr>
-        <p:spPr/>
-      </p:sp>
-      <p:sp>
-        <p:nvSpPr>
-          <p:cNvPr id="3" name="Notes Placeholder 2"/>
+        <p:spPr>
+          <a:ln/>
+        </p:spPr>
+      </p:sp>
+      <p:sp>
+        <p:nvSpPr>
+          <p:cNvPr id="23555" name="Notes Placeholder 2"/>
           <p:cNvSpPr>
             <a:spLocks noGrp="1"/>
           </p:cNvSpPr>
@@ -1990,130 +2396,186 @@
             <p:ph type="body" idx="1"/>
           </p:nvPr>
         </p:nvSpPr>
-        <p:spPr/>
+        <p:spPr>
+          <a:noFill/>
+          <a:ln/>
+          <a:extLst>
+            <a:ext uri="{909E8E84-426E-40DD-AFC4-6F175D3DCCD1}">
+              <a14:hiddenFill xmlns:a14="http://schemas.microsoft.com/office/drawing/2010/main">
+                <a:solidFill>
+                  <a:srgbClr val="FFFFFF"/>
+                </a:solidFill>
+              </a14:hiddenFill>
+            </a:ext>
+            <a:ext uri="{91240B29-F687-4F45-9708-019B960494DF}">
+              <a14:hiddenLine xmlns:a14="http://schemas.microsoft.com/office/drawing/2010/main" w="9525">
+                <a:solidFill>
+                  <a:srgbClr val="000000"/>
+                </a:solidFill>
+                <a:miter lim="800000"/>
+                <a:headEnd/>
+                <a:tailEnd/>
+              </a14:hiddenLine>
+            </a:ext>
+          </a:extLst>
+        </p:spPr>
         <p:txBody>
           <a:bodyPr/>
           <a:lstStyle/>
           <a:p>
+            <a:pPr eaLnBrk="1" hangingPunct="1"/>
             <a:endParaRPr lang="en-US" dirty="0"/>
           </a:p>
         </p:txBody>
       </p:sp>
       <p:sp>
         <p:nvSpPr>
-          <p:cNvPr id="12" name="Date Placeholder 11"/>
+          <p:cNvPr id="23556" name="Slide Number Placeholder 3"/>
           <p:cNvSpPr>
             <a:spLocks noGrp="1"/>
           </p:cNvSpPr>
           <p:nvPr>
-            <p:ph type="dt" idx="10"/>
-          </p:nvPr>
-        </p:nvSpPr>
-        <p:spPr/>
+            <p:ph type="sldNum" sz="quarter" idx="5"/>
+          </p:nvPr>
+        </p:nvSpPr>
+        <p:spPr>
+          <a:noFill/>
+          <a:ln/>
+          <a:extLst>
+            <a:ext uri="{909E8E84-426E-40DD-AFC4-6F175D3DCCD1}">
+              <a14:hiddenFill xmlns:a14="http://schemas.microsoft.com/office/drawing/2010/main">
+                <a:solidFill>
+                  <a:srgbClr val="FFFFFF"/>
+                </a:solidFill>
+              </a14:hiddenFill>
+            </a:ext>
+            <a:ext uri="{91240B29-F687-4F45-9708-019B960494DF}">
+              <a14:hiddenLine xmlns:a14="http://schemas.microsoft.com/office/drawing/2010/main" w="9525">
+                <a:solidFill>
+                  <a:srgbClr val="000000"/>
+                </a:solidFill>
+                <a:miter lim="800000"/>
+                <a:headEnd/>
+                <a:tailEnd/>
+              </a14:hiddenLine>
+            </a:ext>
+          </a:extLst>
+        </p:spPr>
         <p:txBody>
           <a:bodyPr/>
-          <a:lstStyle/>
-          <a:p>
-            <a:pPr>
-              <a:defRPr/>
-            </a:pPr>
-            <a:r>
-              <a:rPr lang="en-US" dirty="0" smtClean="0"/>
-              <a:t>April 18, 2017</a:t>
-            </a:r>
-            <a:endParaRPr lang="en-US" dirty="0"/>
-          </a:p>
-        </p:txBody>
-      </p:sp>
-      <p:sp>
-        <p:nvSpPr>
-          <p:cNvPr id="13" name="Footer Placeholder 12"/>
-          <p:cNvSpPr>
-            <a:spLocks noGrp="1"/>
-          </p:cNvSpPr>
-          <p:nvPr>
-            <p:ph type="ftr" sz="quarter" idx="11"/>
-          </p:nvPr>
-        </p:nvSpPr>
-        <p:spPr/>
-        <p:txBody>
-          <a:bodyPr/>
-          <a:lstStyle/>
-          <a:p>
-            <a:pPr>
-              <a:defRPr/>
-            </a:pPr>
-            <a:r>
-              <a:rPr lang="en-US" dirty="0" smtClean="0"/>
-              <a:t>Lecture 4</a:t>
-            </a:r>
-            <a:endParaRPr lang="en-US" dirty="0"/>
-          </a:p>
-        </p:txBody>
-      </p:sp>
-      <p:sp>
-        <p:nvSpPr>
-          <p:cNvPr id="15" name="Header Placeholder 14"/>
-          <p:cNvSpPr>
-            <a:spLocks noGrp="1"/>
-          </p:cNvSpPr>
-          <p:nvPr>
-            <p:ph type="hdr" sz="quarter" idx="13"/>
-          </p:nvPr>
-        </p:nvSpPr>
-        <p:spPr/>
-        <p:txBody>
-          <a:bodyPr/>
-          <a:lstStyle/>
-          <a:p>
-            <a:pPr>
-              <a:defRPr/>
-            </a:pPr>
-            <a:r>
-              <a:rPr lang="en-US" dirty="0" smtClean="0"/>
-              <a:t>SE 433</a:t>
-            </a:r>
-            <a:endParaRPr lang="en-US" dirty="0"/>
-          </a:p>
-        </p:txBody>
-      </p:sp>
-      <p:sp>
-        <p:nvSpPr>
-          <p:cNvPr id="16" name="Slide Number Placeholder 15"/>
-          <p:cNvSpPr>
-            <a:spLocks noGrp="1"/>
-          </p:cNvSpPr>
-          <p:nvPr>
-            <p:ph type="sldNum" sz="quarter" idx="14"/>
-          </p:nvPr>
-        </p:nvSpPr>
-        <p:spPr/>
-        <p:txBody>
-          <a:bodyPr/>
-          <a:lstStyle/>
-          <a:p>
-            <a:pPr>
-              <a:defRPr/>
-            </a:pPr>
-            <a:fld id="{F0410F35-0C47-794C-85F9-FC23048F5283}" type="slidenum">
-              <a:rPr lang="en-US" smtClean="0"/>
-              <a:pPr>
-                <a:defRPr/>
-              </a:pPr>
-              <a:t>72</a:t>
+          <a:lstStyle>
+            <a:lvl1pPr eaLnBrk="0" hangingPunct="0">
+              <a:defRPr sz="2400">
+                <a:solidFill>
+                  <a:schemeClr val="tx1"/>
+                </a:solidFill>
+                <a:latin typeface="Tahoma" charset="0"/>
+              </a:defRPr>
+            </a:lvl1pPr>
+            <a:lvl2pPr marL="742950" indent="-285750" eaLnBrk="0" hangingPunct="0">
+              <a:defRPr sz="2400">
+                <a:solidFill>
+                  <a:schemeClr val="tx1"/>
+                </a:solidFill>
+                <a:latin typeface="Tahoma" charset="0"/>
+              </a:defRPr>
+            </a:lvl2pPr>
+            <a:lvl3pPr marL="1143000" indent="-228600" eaLnBrk="0" hangingPunct="0">
+              <a:defRPr sz="2400">
+                <a:solidFill>
+                  <a:schemeClr val="tx1"/>
+                </a:solidFill>
+                <a:latin typeface="Tahoma" charset="0"/>
+              </a:defRPr>
+            </a:lvl3pPr>
+            <a:lvl4pPr marL="1600200" indent="-228600" eaLnBrk="0" hangingPunct="0">
+              <a:defRPr sz="2400">
+                <a:solidFill>
+                  <a:schemeClr val="tx1"/>
+                </a:solidFill>
+                <a:latin typeface="Tahoma" charset="0"/>
+              </a:defRPr>
+            </a:lvl4pPr>
+            <a:lvl5pPr marL="2057400" indent="-228600" eaLnBrk="0" hangingPunct="0">
+              <a:defRPr sz="2400">
+                <a:solidFill>
+                  <a:schemeClr val="tx1"/>
+                </a:solidFill>
+                <a:latin typeface="Tahoma" charset="0"/>
+              </a:defRPr>
+            </a:lvl5pPr>
+            <a:lvl6pPr marL="2514600" indent="-228600" eaLnBrk="0" fontAlgn="base" hangingPunct="0">
+              <a:spcBef>
+                <a:spcPct val="0"/>
+              </a:spcBef>
+              <a:spcAft>
+                <a:spcPct val="0"/>
+              </a:spcAft>
+              <a:defRPr sz="2400">
+                <a:solidFill>
+                  <a:schemeClr val="tx1"/>
+                </a:solidFill>
+                <a:latin typeface="Tahoma" charset="0"/>
+              </a:defRPr>
+            </a:lvl6pPr>
+            <a:lvl7pPr marL="2971800" indent="-228600" eaLnBrk="0" fontAlgn="base" hangingPunct="0">
+              <a:spcBef>
+                <a:spcPct val="0"/>
+              </a:spcBef>
+              <a:spcAft>
+                <a:spcPct val="0"/>
+              </a:spcAft>
+              <a:defRPr sz="2400">
+                <a:solidFill>
+                  <a:schemeClr val="tx1"/>
+                </a:solidFill>
+                <a:latin typeface="Tahoma" charset="0"/>
+              </a:defRPr>
+            </a:lvl7pPr>
+            <a:lvl8pPr marL="3429000" indent="-228600" eaLnBrk="0" fontAlgn="base" hangingPunct="0">
+              <a:spcBef>
+                <a:spcPct val="0"/>
+              </a:spcBef>
+              <a:spcAft>
+                <a:spcPct val="0"/>
+              </a:spcAft>
+              <a:defRPr sz="2400">
+                <a:solidFill>
+                  <a:schemeClr val="tx1"/>
+                </a:solidFill>
+                <a:latin typeface="Tahoma" charset="0"/>
+              </a:defRPr>
+            </a:lvl8pPr>
+            <a:lvl9pPr marL="3886200" indent="-228600" eaLnBrk="0" fontAlgn="base" hangingPunct="0">
+              <a:spcBef>
+                <a:spcPct val="0"/>
+              </a:spcBef>
+              <a:spcAft>
+                <a:spcPct val="0"/>
+              </a:spcAft>
+              <a:defRPr sz="2400">
+                <a:solidFill>
+                  <a:schemeClr val="tx1"/>
+                </a:solidFill>
+                <a:latin typeface="Tahoma" charset="0"/>
+              </a:defRPr>
+            </a:lvl9pPr>
+          </a:lstStyle>
+          <a:p>
+            <a:pPr eaLnBrk="1" hangingPunct="1"/>
+            <a:fld id="{E654E663-57AB-4385-86F2-6F3BA292AC98}" type="slidenum">
+              <a:rPr lang="en-US" sz="1200" smtClean="0"/>
+              <a:pPr eaLnBrk="1" hangingPunct="1"/>
+              <a:t>70</a:t>
             </a:fld>
-            <a:r>
-              <a:rPr lang="en-US" dirty="0" smtClean="0"/>
-              <a:t> of 101</a:t>
-            </a:r>
-            <a:endParaRPr lang="en-US" dirty="0"/>
+            <a:endParaRPr lang="en-US" sz="1200"/>
           </a:p>
         </p:txBody>
       </p:sp>
     </p:spTree>
     <p:extLst>
       <p:ext uri="{BB962C8B-B14F-4D97-AF65-F5344CB8AC3E}">
-        <p14:creationId xmlns:p14="http://schemas.microsoft.com/office/powerpoint/2010/main" val="3604098991"/>
+        <p14:creationId xmlns:p14="http://schemas.microsoft.com/office/powerpoint/2010/main" val="2402714035"/>
       </p:ext>
     </p:extLst>
   </p:cSld>
@@ -2268,7 +2730,7 @@
           <a:p>
             <a:fld id="{22494048-E00F-4AC1-B4FB-686A894F4BF1}" type="datetime1">
               <a:rPr lang="en-US" smtClean="0"/>
-              <a:t>10/3/2021</a:t>
+              <a:t>10/4/2021</a:t>
             </a:fld>
             <a:endParaRPr lang="en-US"/>
           </a:p>
@@ -2519,7 +2981,7 @@
           <a:p>
             <a:fld id="{78C8194D-BA99-4D56-819C-D278CCA771C8}" type="datetime1">
               <a:rPr lang="en-US" smtClean="0"/>
-              <a:t>10/3/2021</a:t>
+              <a:t>10/4/2021</a:t>
             </a:fld>
             <a:endParaRPr lang="en-US"/>
           </a:p>
@@ -2699,7 +3161,7 @@
           <a:p>
             <a:fld id="{94613451-ED4A-47B2-87C8-6FE8EF1245A9}" type="datetime1">
               <a:rPr lang="en-US" smtClean="0"/>
-              <a:t>10/3/2021</a:t>
+              <a:t>10/4/2021</a:t>
             </a:fld>
             <a:endParaRPr lang="en-US"/>
           </a:p>
@@ -2869,7 +3331,7 @@
           <a:p>
             <a:fld id="{D98B30E1-5E87-4BB7-B950-E97C0CDBF3C8}" type="datetime1">
               <a:rPr lang="en-US" smtClean="0"/>
-              <a:t>10/3/2021</a:t>
+              <a:t>10/4/2021</a:t>
             </a:fld>
             <a:endParaRPr lang="en-US"/>
           </a:p>
@@ -3115,7 +3577,7 @@
           <a:p>
             <a:fld id="{1DDFC4E7-36A5-4949-A2D3-24712CC604F7}" type="datetime1">
               <a:rPr lang="en-US" smtClean="0"/>
-              <a:t>10/3/2021</a:t>
+              <a:t>10/4/2021</a:t>
             </a:fld>
             <a:endParaRPr lang="en-US"/>
           </a:p>
@@ -3347,7 +3809,7 @@
           <a:p>
             <a:fld id="{069E10FE-283F-403B-A4F0-E241DA85DB8D}" type="datetime1">
               <a:rPr lang="en-US" smtClean="0"/>
-              <a:t>10/3/2021</a:t>
+              <a:t>10/4/2021</a:t>
             </a:fld>
             <a:endParaRPr lang="en-US"/>
           </a:p>
@@ -3714,7 +4176,7 @@
           <a:p>
             <a:fld id="{42225CAC-C01D-4CA0-98FD-7EC6D89E8F91}" type="datetime1">
               <a:rPr lang="en-US" smtClean="0"/>
-              <a:t>10/3/2021</a:t>
+              <a:t>10/4/2021</a:t>
             </a:fld>
             <a:endParaRPr lang="en-US"/>
           </a:p>
@@ -3832,7 +4294,7 @@
           <a:p>
             <a:fld id="{07C88240-A4B1-46C4-96E3-48EB0E9D5573}" type="datetime1">
               <a:rPr lang="en-US" smtClean="0"/>
-              <a:t>10/3/2021</a:t>
+              <a:t>10/4/2021</a:t>
             </a:fld>
             <a:endParaRPr lang="en-US"/>
           </a:p>
@@ -3927,7 +4389,7 @@
           <a:p>
             <a:fld id="{A7E6A135-212F-4628-BF58-A98A2936E463}" type="datetime1">
               <a:rPr lang="en-US" smtClean="0"/>
-              <a:t>10/3/2021</a:t>
+              <a:t>10/4/2021</a:t>
             </a:fld>
             <a:endParaRPr lang="en-US"/>
           </a:p>
@@ -4204,7 +4666,7 @@
           <a:p>
             <a:fld id="{576334E7-57A6-4DA3-8ADA-F1BAF2C20CE5}" type="datetime1">
               <a:rPr lang="en-US" smtClean="0"/>
-              <a:t>10/3/2021</a:t>
+              <a:t>10/4/2021</a:t>
             </a:fld>
             <a:endParaRPr lang="en-US"/>
           </a:p>
@@ -4457,7 +4919,7 @@
           <a:p>
             <a:fld id="{86F98AE5-2B3E-4DFE-83A2-676C45A3AA5A}" type="datetime1">
               <a:rPr lang="en-US" smtClean="0"/>
-              <a:t>10/3/2021</a:t>
+              <a:t>10/4/2021</a:t>
             </a:fld>
             <a:endParaRPr lang="en-US"/>
           </a:p>
@@ -4671,7 +5133,7 @@
           <a:p>
             <a:fld id="{415A01DC-2099-4C8B-B4F3-C0EAB13493FD}" type="datetime1">
               <a:rPr lang="en-US" smtClean="0"/>
-              <a:t>10/3/2021</a:t>
+              <a:t>10/4/2021</a:t>
             </a:fld>
             <a:endParaRPr lang="en-US"/>
           </a:p>
@@ -10706,7 +11168,7 @@
           <a:effectLst/>
           <a:extLst>
             <a:ext uri="{AF507438-7753-43e0-B8FC-AC1667EBCBE1}">
-              <a14:hiddenEffects xmlns="" xmlns:a14="http://schemas.microsoft.com/office/drawing/2010/main">
+              <a14:hiddenEffects xmlns:a14="http://schemas.microsoft.com/office/drawing/2010/main" xmlns="">
                 <a:effectLst>
                   <a:outerShdw blurRad="63500" dist="38099" dir="2700000" algn="ctr" rotWithShape="0">
                     <a:schemeClr val="bg2">
@@ -10779,12 +11241,12 @@
           <a:effectLst/>
           <a:extLst>
             <a:ext uri="{909E8E84-426E-40dd-AFC4-6F175D3DCCD1}">
-              <a14:hiddenFill xmlns="" xmlns:a14="http://schemas.microsoft.com/office/drawing/2010/main">
+              <a14:hiddenFill xmlns:a14="http://schemas.microsoft.com/office/drawing/2010/main" xmlns="">
                 <a:noFill/>
               </a14:hiddenFill>
             </a:ext>
             <a:ext uri="{AF507438-7753-43e0-B8FC-AC1667EBCBE1}">
-              <a14:hiddenEffects xmlns="" xmlns:a14="http://schemas.microsoft.com/office/drawing/2010/main">
+              <a14:hiddenEffects xmlns:a14="http://schemas.microsoft.com/office/drawing/2010/main" xmlns="">
                 <a:effectLst>
                   <a:outerShdw blurRad="63500" dist="38099" dir="2700000" algn="ctr" rotWithShape="0">
                     <a:schemeClr val="bg2">
@@ -11199,7 +11661,7 @@
           <a:effectLst/>
           <a:extLst>
             <a:ext uri="{AF507438-7753-43e0-B8FC-AC1667EBCBE1}">
-              <a14:hiddenEffects xmlns="" xmlns:a14="http://schemas.microsoft.com/office/drawing/2010/main">
+              <a14:hiddenEffects xmlns:a14="http://schemas.microsoft.com/office/drawing/2010/main" xmlns="">
                 <a:effectLst>
                   <a:outerShdw blurRad="63500" dist="38099" dir="2700000" algn="ctr" rotWithShape="0">
                     <a:schemeClr val="bg2">
@@ -11295,12 +11757,12 @@
           <a:effectLst/>
           <a:extLst>
             <a:ext uri="{909E8E84-426E-40dd-AFC4-6F175D3DCCD1}">
-              <a14:hiddenFill xmlns="" xmlns:a14="http://schemas.microsoft.com/office/drawing/2010/main">
+              <a14:hiddenFill xmlns:a14="http://schemas.microsoft.com/office/drawing/2010/main" xmlns="">
                 <a:noFill/>
               </a14:hiddenFill>
             </a:ext>
             <a:ext uri="{AF507438-7753-43e0-B8FC-AC1667EBCBE1}">
-              <a14:hiddenEffects xmlns="" xmlns:a14="http://schemas.microsoft.com/office/drawing/2010/main">
+              <a14:hiddenEffects xmlns:a14="http://schemas.microsoft.com/office/drawing/2010/main" xmlns="">
                 <a:effectLst>
                   <a:outerShdw blurRad="63500" dist="38099" dir="2700000" algn="ctr" rotWithShape="0">
                     <a:schemeClr val="bg2">
@@ -11725,7 +12187,7 @@
           <a:effectLst/>
           <a:extLst>
             <a:ext uri="{AF507438-7753-43e0-B8FC-AC1667EBCBE1}">
-              <a14:hiddenEffects xmlns="" xmlns:a14="http://schemas.microsoft.com/office/drawing/2010/main">
+              <a14:hiddenEffects xmlns:a14="http://schemas.microsoft.com/office/drawing/2010/main" xmlns="">
                 <a:effectLst>
                   <a:outerShdw blurRad="63500" dist="38099" dir="2700000" algn="ctr" rotWithShape="0">
                     <a:schemeClr val="bg2">
@@ -11817,12 +12279,12 @@
           <a:effectLst/>
           <a:extLst>
             <a:ext uri="{909E8E84-426E-40dd-AFC4-6F175D3DCCD1}">
-              <a14:hiddenFill xmlns="" xmlns:a14="http://schemas.microsoft.com/office/drawing/2010/main">
+              <a14:hiddenFill xmlns:a14="http://schemas.microsoft.com/office/drawing/2010/main" xmlns="">
                 <a:noFill/>
               </a14:hiddenFill>
             </a:ext>
             <a:ext uri="{AF507438-7753-43e0-B8FC-AC1667EBCBE1}">
-              <a14:hiddenEffects xmlns="" xmlns:a14="http://schemas.microsoft.com/office/drawing/2010/main">
+              <a14:hiddenEffects xmlns:a14="http://schemas.microsoft.com/office/drawing/2010/main" xmlns="">
                 <a:effectLst>
                   <a:outerShdw blurRad="63500" dist="38099" dir="2700000" algn="ctr" rotWithShape="0">
                     <a:schemeClr val="bg2">
@@ -11875,12 +12337,12 @@
           <a:effectLst/>
           <a:extLst>
             <a:ext uri="{909E8E84-426E-40dd-AFC4-6F175D3DCCD1}">
-              <a14:hiddenFill xmlns="" xmlns:a14="http://schemas.microsoft.com/office/drawing/2010/main">
+              <a14:hiddenFill xmlns:a14="http://schemas.microsoft.com/office/drawing/2010/main" xmlns="">
                 <a:noFill/>
               </a14:hiddenFill>
             </a:ext>
             <a:ext uri="{AF507438-7753-43e0-B8FC-AC1667EBCBE1}">
-              <a14:hiddenEffects xmlns="" xmlns:a14="http://schemas.microsoft.com/office/drawing/2010/main">
+              <a14:hiddenEffects xmlns:a14="http://schemas.microsoft.com/office/drawing/2010/main" xmlns="">
                 <a:effectLst>
                   <a:outerShdw blurRad="63500" dist="38099" dir="2700000" algn="ctr" rotWithShape="0">
                     <a:schemeClr val="bg2">
@@ -12278,7 +12740,7 @@
           <a:effectLst/>
           <a:extLst>
             <a:ext uri="{AF507438-7753-43e0-B8FC-AC1667EBCBE1}">
-              <a14:hiddenEffects xmlns="" xmlns:a14="http://schemas.microsoft.com/office/drawing/2010/main">
+              <a14:hiddenEffects xmlns:a14="http://schemas.microsoft.com/office/drawing/2010/main" xmlns="">
                 <a:effectLst>
                   <a:outerShdw blurRad="63500" dist="38099" dir="2700000" algn="ctr" rotWithShape="0">
                     <a:schemeClr val="bg2">
@@ -12369,12 +12831,12 @@
           <a:effectLst/>
           <a:extLst>
             <a:ext uri="{909E8E84-426E-40dd-AFC4-6F175D3DCCD1}">
-              <a14:hiddenFill xmlns="" xmlns:a14="http://schemas.microsoft.com/office/drawing/2010/main">
+              <a14:hiddenFill xmlns:a14="http://schemas.microsoft.com/office/drawing/2010/main" xmlns="">
                 <a:noFill/>
               </a14:hiddenFill>
             </a:ext>
             <a:ext uri="{AF507438-7753-43e0-B8FC-AC1667EBCBE1}">
-              <a14:hiddenEffects xmlns="" xmlns:a14="http://schemas.microsoft.com/office/drawing/2010/main">
+              <a14:hiddenEffects xmlns:a14="http://schemas.microsoft.com/office/drawing/2010/main" xmlns="">
                 <a:effectLst>
                   <a:outerShdw blurRad="63500" dist="38099" dir="2700000" algn="ctr" rotWithShape="0">
                     <a:schemeClr val="bg2">
@@ -28603,6 +29065,1059 @@
       </p:grpSpPr>
       <p:sp>
         <p:nvSpPr>
+          <p:cNvPr id="10242" name="Rectangle 2"/>
+          <p:cNvSpPr>
+            <a:spLocks noGrp="1" noChangeArrowheads="1"/>
+          </p:cNvSpPr>
+          <p:nvPr>
+            <p:ph type="title"/>
+          </p:nvPr>
+        </p:nvSpPr>
+        <p:spPr/>
+        <p:txBody>
+          <a:bodyPr/>
+          <a:lstStyle/>
+          <a:p>
+            <a:pPr eaLnBrk="1" hangingPunct="1"/>
+            <a:r>
+              <a:rPr lang="en-US" dirty="0"/>
+              <a:t>JUnit 5 Unit Testing Framework</a:t>
+            </a:r>
+          </a:p>
+        </p:txBody>
+      </p:sp>
+      <p:sp>
+        <p:nvSpPr>
+          <p:cNvPr id="10243" name="Rectangle 3"/>
+          <p:cNvSpPr>
+            <a:spLocks noGrp="1" noChangeArrowheads="1"/>
+          </p:cNvSpPr>
+          <p:nvPr>
+            <p:ph idx="1"/>
+          </p:nvPr>
+        </p:nvSpPr>
+        <p:spPr/>
+        <p:txBody>
+          <a:bodyPr>
+            <a:normAutofit/>
+          </a:bodyPr>
+          <a:lstStyle/>
+          <a:p>
+            <a:r>
+              <a:rPr lang="en-US" sz="2000" dirty="0">
+                <a:hlinkClick r:id="rId3"/>
+              </a:rPr>
+              <a:t>JUnit 5 Documentation</a:t>
+            </a:r>
+            <a:endParaRPr lang="en-US" sz="2000" dirty="0"/>
+          </a:p>
+          <a:p>
+            <a:pPr eaLnBrk="1" hangingPunct="1"/>
+            <a:r>
+              <a:rPr lang="en-US" sz="2000" dirty="0"/>
+              <a:t>Use JUnit 5 annotations to mark test methods</a:t>
+            </a:r>
+          </a:p>
+          <a:p>
+            <a:pPr eaLnBrk="1" hangingPunct="1"/>
+            <a:endParaRPr lang="en-US" sz="2000" dirty="0"/>
+          </a:p>
+        </p:txBody>
+      </p:sp>
+      <p:graphicFrame>
+        <p:nvGraphicFramePr>
+          <p:cNvPr id="3" name="Table 2"/>
+          <p:cNvGraphicFramePr>
+            <a:graphicFrameLocks noGrp="1"/>
+          </p:cNvGraphicFramePr>
+          <p:nvPr>
+            <p:extLst>
+              <p:ext uri="{D42A27DB-BD31-4B8C-83A1-F6EECF244321}">
+                <p14:modId xmlns:p14="http://schemas.microsoft.com/office/powerpoint/2010/main" val="2898198845"/>
+              </p:ext>
+            </p:extLst>
+          </p:nvPr>
+        </p:nvGraphicFramePr>
+        <p:xfrm>
+          <a:off x="978408" y="2913888"/>
+          <a:ext cx="10195560" cy="2834640"/>
+        </p:xfrm>
+        <a:graphic>
+          <a:graphicData uri="http://schemas.openxmlformats.org/drawingml/2006/table">
+            <a:tbl>
+              <a:tblPr/>
+              <a:tblGrid>
+                <a:gridCol w="5097780">
+                  <a:extLst>
+                    <a:ext uri="{9D8B030D-6E8A-4147-A177-3AD203B41FA5}">
+                      <a16:colId xmlns:a16="http://schemas.microsoft.com/office/drawing/2014/main" val="20000"/>
+                    </a:ext>
+                  </a:extLst>
+                </a:gridCol>
+                <a:gridCol w="5097780">
+                  <a:extLst>
+                    <a:ext uri="{9D8B030D-6E8A-4147-A177-3AD203B41FA5}">
+                      <a16:colId xmlns:a16="http://schemas.microsoft.com/office/drawing/2014/main" val="20001"/>
+                    </a:ext>
+                  </a:extLst>
+                </a:gridCol>
+              </a:tblGrid>
+              <a:tr h="0">
+                <a:tc>
+                  <a:txBody>
+                    <a:bodyPr/>
+                    <a:lstStyle/>
+                    <a:p>
+                      <a:pPr algn="l"/>
+                      <a:r>
+                        <a:rPr lang="en-US" b="1" dirty="0">
+                          <a:latin typeface="Candara" panose="020E0502030303020204" pitchFamily="34" charset="0"/>
+                        </a:rPr>
+                        <a:t>Annotation</a:t>
+                      </a:r>
+                    </a:p>
+                  </a:txBody>
+                  <a:tcPr anchor="ctr">
+                    <a:lnL>
+                      <a:noFill/>
+                    </a:lnL>
+                    <a:lnR>
+                      <a:noFill/>
+                    </a:lnR>
+                    <a:lnT>
+                      <a:noFill/>
+                    </a:lnT>
+                    <a:lnB>
+                      <a:noFill/>
+                    </a:lnB>
+                    <a:solidFill>
+                      <a:srgbClr val="FFFFFF"/>
+                    </a:solidFill>
+                  </a:tcPr>
+                </a:tc>
+                <a:tc>
+                  <a:txBody>
+                    <a:bodyPr/>
+                    <a:lstStyle/>
+                    <a:p>
+                      <a:pPr algn="l"/>
+                      <a:r>
+                        <a:rPr lang="en-US" b="1" dirty="0">
+                          <a:latin typeface="Candara" panose="020E0502030303020204" pitchFamily="34" charset="0"/>
+                        </a:rPr>
+                        <a:t>Description</a:t>
+                      </a:r>
+                    </a:p>
+                  </a:txBody>
+                  <a:tcPr anchor="ctr">
+                    <a:lnL>
+                      <a:noFill/>
+                    </a:lnL>
+                    <a:lnR>
+                      <a:noFill/>
+                    </a:lnR>
+                    <a:lnT>
+                      <a:noFill/>
+                    </a:lnT>
+                    <a:lnB>
+                      <a:noFill/>
+                    </a:lnB>
+                    <a:solidFill>
+                      <a:srgbClr val="FFFFFF"/>
+                    </a:solidFill>
+                  </a:tcPr>
+                </a:tc>
+                <a:extLst>
+                  <a:ext uri="{0D108BD9-81ED-4DB2-BD59-A6C34878D82A}">
+                    <a16:rowId xmlns:a16="http://schemas.microsoft.com/office/drawing/2014/main" val="10000"/>
+                  </a:ext>
+                </a:extLst>
+              </a:tr>
+              <a:tr h="0">
+                <a:tc>
+                  <a:txBody>
+                    <a:bodyPr/>
+                    <a:lstStyle/>
+                    <a:p>
+                      <a:pPr algn="l"/>
+                      <a:r>
+                        <a:rPr lang="en-US" dirty="0">
+                          <a:latin typeface="Candara" panose="020E0502030303020204" pitchFamily="34" charset="0"/>
+                        </a:rPr>
+                        <a:t>@Test public void method()</a:t>
+                      </a:r>
+                    </a:p>
+                  </a:txBody>
+                  <a:tcPr anchor="ctr">
+                    <a:lnL>
+                      <a:noFill/>
+                    </a:lnL>
+                    <a:lnR>
+                      <a:noFill/>
+                    </a:lnR>
+                    <a:lnT>
+                      <a:noFill/>
+                    </a:lnT>
+                    <a:lnB>
+                      <a:noFill/>
+                    </a:lnB>
+                    <a:solidFill>
+                      <a:srgbClr val="FFFFFF"/>
+                    </a:solidFill>
+                  </a:tcPr>
+                </a:tc>
+                <a:tc>
+                  <a:txBody>
+                    <a:bodyPr/>
+                    <a:lstStyle/>
+                    <a:p>
+                      <a:pPr algn="l"/>
+                      <a:r>
+                        <a:rPr lang="en-US">
+                          <a:latin typeface="Candara" panose="020E0502030303020204" pitchFamily="34" charset="0"/>
+                        </a:rPr>
+                        <a:t>The annotation @Test identifies that a method is a test method. </a:t>
+                      </a:r>
+                    </a:p>
+                  </a:txBody>
+                  <a:tcPr anchor="ctr">
+                    <a:lnL>
+                      <a:noFill/>
+                    </a:lnL>
+                    <a:lnR>
+                      <a:noFill/>
+                    </a:lnR>
+                    <a:lnT>
+                      <a:noFill/>
+                    </a:lnT>
+                    <a:lnB>
+                      <a:noFill/>
+                    </a:lnB>
+                    <a:solidFill>
+                      <a:srgbClr val="FFFFFF"/>
+                    </a:solidFill>
+                  </a:tcPr>
+                </a:tc>
+                <a:extLst>
+                  <a:ext uri="{0D108BD9-81ED-4DB2-BD59-A6C34878D82A}">
+                    <a16:rowId xmlns:a16="http://schemas.microsoft.com/office/drawing/2014/main" val="10001"/>
+                  </a:ext>
+                </a:extLst>
+              </a:tr>
+              <a:tr h="0">
+                <a:tc>
+                  <a:txBody>
+                    <a:bodyPr/>
+                    <a:lstStyle/>
+                    <a:p>
+                      <a:pPr algn="l"/>
+                      <a:r>
+                        <a:rPr lang="en-US" dirty="0">
+                          <a:latin typeface="Candara" panose="020E0502030303020204" pitchFamily="34" charset="0"/>
+                        </a:rPr>
+                        <a:t>@</a:t>
+                      </a:r>
+                      <a:r>
+                        <a:rPr lang="en-US" dirty="0" err="1">
+                          <a:latin typeface="Candara" panose="020E0502030303020204" pitchFamily="34" charset="0"/>
+                        </a:rPr>
+                        <a:t>BeforeEach</a:t>
+                      </a:r>
+                      <a:r>
+                        <a:rPr lang="en-US" dirty="0">
+                          <a:latin typeface="Candara" panose="020E0502030303020204" pitchFamily="34" charset="0"/>
+                        </a:rPr>
+                        <a:t> public void method()</a:t>
+                      </a:r>
+                    </a:p>
+                  </a:txBody>
+                  <a:tcPr anchor="ctr">
+                    <a:lnL>
+                      <a:noFill/>
+                    </a:lnL>
+                    <a:lnR>
+                      <a:noFill/>
+                    </a:lnR>
+                    <a:lnT>
+                      <a:noFill/>
+                    </a:lnT>
+                    <a:lnB>
+                      <a:noFill/>
+                    </a:lnB>
+                    <a:solidFill>
+                      <a:srgbClr val="FFFFFF"/>
+                    </a:solidFill>
+                  </a:tcPr>
+                </a:tc>
+                <a:tc>
+                  <a:txBody>
+                    <a:bodyPr/>
+                    <a:lstStyle/>
+                    <a:p>
+                      <a:pPr algn="l"/>
+                      <a:r>
+                        <a:rPr lang="en-US" dirty="0">
+                          <a:latin typeface="Candara" panose="020E0502030303020204" pitchFamily="34" charset="0"/>
+                        </a:rPr>
+                        <a:t>Will execute the method before each test. Can prepare the test environment (e.g. read input data, initialize the class). </a:t>
+                      </a:r>
+                    </a:p>
+                  </a:txBody>
+                  <a:tcPr anchor="ctr">
+                    <a:lnL>
+                      <a:noFill/>
+                    </a:lnL>
+                    <a:lnR>
+                      <a:noFill/>
+                    </a:lnR>
+                    <a:lnT>
+                      <a:noFill/>
+                    </a:lnT>
+                    <a:lnB>
+                      <a:noFill/>
+                    </a:lnB>
+                    <a:solidFill>
+                      <a:srgbClr val="FFFFFF"/>
+                    </a:solidFill>
+                  </a:tcPr>
+                </a:tc>
+                <a:extLst>
+                  <a:ext uri="{0D108BD9-81ED-4DB2-BD59-A6C34878D82A}">
+                    <a16:rowId xmlns:a16="http://schemas.microsoft.com/office/drawing/2014/main" val="10002"/>
+                  </a:ext>
+                </a:extLst>
+              </a:tr>
+              <a:tr h="0">
+                <a:tc>
+                  <a:txBody>
+                    <a:bodyPr/>
+                    <a:lstStyle/>
+                    <a:p>
+                      <a:pPr algn="l"/>
+                      <a:r>
+                        <a:rPr lang="en-US" dirty="0">
+                          <a:latin typeface="Candara" panose="020E0502030303020204" pitchFamily="34" charset="0"/>
+                        </a:rPr>
+                        <a:t>@</a:t>
+                      </a:r>
+                      <a:r>
+                        <a:rPr lang="en-US" dirty="0" err="1">
+                          <a:latin typeface="Candara" panose="020E0502030303020204" pitchFamily="34" charset="0"/>
+                        </a:rPr>
+                        <a:t>AfterEach</a:t>
+                      </a:r>
+                      <a:r>
+                        <a:rPr lang="en-US" dirty="0">
+                          <a:latin typeface="Candara" panose="020E0502030303020204" pitchFamily="34" charset="0"/>
+                        </a:rPr>
+                        <a:t> public void method()</a:t>
+                      </a:r>
+                    </a:p>
+                  </a:txBody>
+                  <a:tcPr anchor="ctr">
+                    <a:lnL>
+                      <a:noFill/>
+                    </a:lnL>
+                    <a:lnR>
+                      <a:noFill/>
+                    </a:lnR>
+                    <a:lnT>
+                      <a:noFill/>
+                    </a:lnT>
+                    <a:lnB>
+                      <a:noFill/>
+                    </a:lnB>
+                    <a:solidFill>
+                      <a:srgbClr val="FFFFFF"/>
+                    </a:solidFill>
+                  </a:tcPr>
+                </a:tc>
+                <a:tc>
+                  <a:txBody>
+                    <a:bodyPr/>
+                    <a:lstStyle/>
+                    <a:p>
+                      <a:pPr algn="l"/>
+                      <a:r>
+                        <a:rPr lang="en-US" dirty="0">
+                          <a:latin typeface="Candara" panose="020E0502030303020204" pitchFamily="34" charset="0"/>
+                        </a:rPr>
+                        <a:t>Will execute the method after each test. Can cleanup the test environment (e.g. delete temporary data, restore defaults). </a:t>
+                      </a:r>
+                    </a:p>
+                  </a:txBody>
+                  <a:tcPr anchor="ctr">
+                    <a:lnL>
+                      <a:noFill/>
+                    </a:lnL>
+                    <a:lnR>
+                      <a:noFill/>
+                    </a:lnR>
+                    <a:lnT>
+                      <a:noFill/>
+                    </a:lnT>
+                    <a:lnB>
+                      <a:noFill/>
+                    </a:lnB>
+                    <a:solidFill>
+                      <a:srgbClr val="FFFFFF"/>
+                    </a:solidFill>
+                  </a:tcPr>
+                </a:tc>
+                <a:extLst>
+                  <a:ext uri="{0D108BD9-81ED-4DB2-BD59-A6C34878D82A}">
+                    <a16:rowId xmlns:a16="http://schemas.microsoft.com/office/drawing/2014/main" val="10003"/>
+                  </a:ext>
+                </a:extLst>
+              </a:tr>
+            </a:tbl>
+          </a:graphicData>
+        </a:graphic>
+      </p:graphicFrame>
+      <p:sp>
+        <p:nvSpPr>
+          <p:cNvPr id="2" name="Slide Number Placeholder 1">
+            <a:extLst>
+              <a:ext uri="{FF2B5EF4-FFF2-40B4-BE49-F238E27FC236}">
+                <a16:creationId xmlns:a16="http://schemas.microsoft.com/office/drawing/2014/main" id="{927B9018-8212-8341-ADE6-69A1E5286CB9}"/>
+              </a:ext>
+            </a:extLst>
+          </p:cNvPr>
+          <p:cNvSpPr>
+            <a:spLocks noGrp="1"/>
+          </p:cNvSpPr>
+          <p:nvPr>
+            <p:ph type="sldNum" sz="quarter" idx="12"/>
+          </p:nvPr>
+        </p:nvSpPr>
+        <p:spPr/>
+        <p:txBody>
+          <a:bodyPr/>
+          <a:lstStyle/>
+          <a:p>
+            <a:pPr>
+              <a:defRPr/>
+            </a:pPr>
+            <a:fld id="{345379D2-9974-407D-B80B-45DD4834A3C8}" type="slidenum">
+              <a:rPr lang="en-US" smtClean="0"/>
+              <a:pPr>
+                <a:defRPr/>
+              </a:pPr>
+              <a:t>70</a:t>
+            </a:fld>
+            <a:endParaRPr lang="en-US"/>
+          </a:p>
+        </p:txBody>
+      </p:sp>
+    </p:spTree>
+    <p:extLst>
+      <p:ext uri="{BB962C8B-B14F-4D97-AF65-F5344CB8AC3E}">
+        <p14:creationId xmlns:p14="http://schemas.microsoft.com/office/powerpoint/2010/main" val="293117821"/>
+      </p:ext>
+    </p:extLst>
+  </p:cSld>
+  <p:clrMapOvr>
+    <a:masterClrMapping/>
+  </p:clrMapOvr>
+</p:sld>
+</file>
+
+<file path=ppt/slides/slide71.xml><?xml version="1.0" encoding="utf-8"?>
+<p:sld xmlns:a="http://schemas.openxmlformats.org/drawingml/2006/main" xmlns:r="http://schemas.openxmlformats.org/officeDocument/2006/relationships" xmlns:p="http://schemas.openxmlformats.org/presentationml/2006/main">
+  <p:cSld>
+    <p:spTree>
+      <p:nvGrpSpPr>
+        <p:cNvPr id="1" name=""/>
+        <p:cNvGrpSpPr/>
+        <p:nvPr/>
+      </p:nvGrpSpPr>
+      <p:grpSpPr>
+        <a:xfrm>
+          <a:off x="0" y="0"/>
+          <a:ext cx="0" cy="0"/>
+          <a:chOff x="0" y="0"/>
+          <a:chExt cx="0" cy="0"/>
+        </a:xfrm>
+      </p:grpSpPr>
+      <p:sp>
+        <p:nvSpPr>
+          <p:cNvPr id="10242" name="Rectangle 2"/>
+          <p:cNvSpPr>
+            <a:spLocks noGrp="1" noChangeArrowheads="1"/>
+          </p:cNvSpPr>
+          <p:nvPr>
+            <p:ph type="title"/>
+          </p:nvPr>
+        </p:nvSpPr>
+        <p:spPr/>
+        <p:txBody>
+          <a:bodyPr/>
+          <a:lstStyle/>
+          <a:p>
+            <a:pPr eaLnBrk="1" hangingPunct="1"/>
+            <a:r>
+              <a:rPr lang="en-US" dirty="0"/>
+              <a:t>JUnit 5 Unit Testing Framework</a:t>
+            </a:r>
+          </a:p>
+        </p:txBody>
+      </p:sp>
+      <p:graphicFrame>
+        <p:nvGraphicFramePr>
+          <p:cNvPr id="2" name="Table 1"/>
+          <p:cNvGraphicFramePr>
+            <a:graphicFrameLocks noGrp="1"/>
+          </p:cNvGraphicFramePr>
+          <p:nvPr>
+            <p:extLst>
+              <p:ext uri="{D42A27DB-BD31-4B8C-83A1-F6EECF244321}">
+                <p14:modId xmlns:p14="http://schemas.microsoft.com/office/powerpoint/2010/main" val="3123244927"/>
+              </p:ext>
+            </p:extLst>
+          </p:nvPr>
+        </p:nvGraphicFramePr>
+        <p:xfrm>
+          <a:off x="932688" y="1690688"/>
+          <a:ext cx="10341864" cy="4303362"/>
+        </p:xfrm>
+        <a:graphic>
+          <a:graphicData uri="http://schemas.openxmlformats.org/drawingml/2006/table">
+            <a:tbl>
+              <a:tblPr/>
+              <a:tblGrid>
+                <a:gridCol w="5170932">
+                  <a:extLst>
+                    <a:ext uri="{9D8B030D-6E8A-4147-A177-3AD203B41FA5}">
+                      <a16:colId xmlns:a16="http://schemas.microsoft.com/office/drawing/2014/main" val="20000"/>
+                    </a:ext>
+                  </a:extLst>
+                </a:gridCol>
+                <a:gridCol w="5170932">
+                  <a:extLst>
+                    <a:ext uri="{9D8B030D-6E8A-4147-A177-3AD203B41FA5}">
+                      <a16:colId xmlns:a16="http://schemas.microsoft.com/office/drawing/2014/main" val="20001"/>
+                    </a:ext>
+                  </a:extLst>
+                </a:gridCol>
+              </a:tblGrid>
+              <a:tr h="346944">
+                <a:tc>
+                  <a:txBody>
+                    <a:bodyPr/>
+                    <a:lstStyle/>
+                    <a:p>
+                      <a:pPr algn="l"/>
+                      <a:r>
+                        <a:rPr lang="en-US" sz="1800" b="1" dirty="0">
+                          <a:latin typeface="Candara" panose="020E0502030303020204" pitchFamily="34" charset="0"/>
+                        </a:rPr>
+                        <a:t>Annotation</a:t>
+                      </a:r>
+                    </a:p>
+                  </a:txBody>
+                  <a:tcPr marL="48666" marR="48666" marT="24333" marB="24333" anchor="ctr">
+                    <a:lnL>
+                      <a:noFill/>
+                    </a:lnL>
+                    <a:lnR>
+                      <a:noFill/>
+                    </a:lnR>
+                    <a:lnT>
+                      <a:noFill/>
+                    </a:lnT>
+                    <a:lnB>
+                      <a:noFill/>
+                    </a:lnB>
+                    <a:solidFill>
+                      <a:srgbClr val="FFFFFF"/>
+                    </a:solidFill>
+                  </a:tcPr>
+                </a:tc>
+                <a:tc>
+                  <a:txBody>
+                    <a:bodyPr/>
+                    <a:lstStyle/>
+                    <a:p>
+                      <a:pPr algn="l"/>
+                      <a:r>
+                        <a:rPr lang="en-US" sz="1800" b="1" dirty="0">
+                          <a:latin typeface="Candara" panose="020E0502030303020204" pitchFamily="34" charset="0"/>
+                        </a:rPr>
+                        <a:t>Description</a:t>
+                      </a:r>
+                    </a:p>
+                  </a:txBody>
+                  <a:tcPr marL="48666" marR="48666" marT="24333" marB="24333" anchor="ctr">
+                    <a:lnL>
+                      <a:noFill/>
+                    </a:lnL>
+                    <a:lnR>
+                      <a:noFill/>
+                    </a:lnR>
+                    <a:lnT>
+                      <a:noFill/>
+                    </a:lnT>
+                    <a:lnB>
+                      <a:noFill/>
+                    </a:lnB>
+                    <a:solidFill>
+                      <a:srgbClr val="FFFFFF"/>
+                    </a:solidFill>
+                  </a:tcPr>
+                </a:tc>
+                <a:extLst>
+                  <a:ext uri="{0D108BD9-81ED-4DB2-BD59-A6C34878D82A}">
+                    <a16:rowId xmlns:a16="http://schemas.microsoft.com/office/drawing/2014/main" val="10000"/>
+                  </a:ext>
+                </a:extLst>
+              </a:tr>
+              <a:tr h="1135850">
+                <a:tc>
+                  <a:txBody>
+                    <a:bodyPr/>
+                    <a:lstStyle/>
+                    <a:p>
+                      <a:pPr algn="l"/>
+                      <a:r>
+                        <a:rPr lang="en-US" sz="1800" dirty="0">
+                          <a:latin typeface="Candara" panose="020E0502030303020204" pitchFamily="34" charset="0"/>
+                        </a:rPr>
+                        <a:t>@</a:t>
+                      </a:r>
+                      <a:r>
+                        <a:rPr lang="en-US" sz="1800" dirty="0" err="1">
+                          <a:latin typeface="Candara" panose="020E0502030303020204" pitchFamily="34" charset="0"/>
+                        </a:rPr>
+                        <a:t>BeforeAll</a:t>
+                      </a:r>
+                      <a:r>
+                        <a:rPr lang="en-US" sz="1800" dirty="0">
+                          <a:latin typeface="Candara" panose="020E0502030303020204" pitchFamily="34" charset="0"/>
+                        </a:rPr>
+                        <a:t> public void method()</a:t>
+                      </a:r>
+                    </a:p>
+                  </a:txBody>
+                  <a:tcPr marL="48666" marR="48666" marT="24333" marB="24333" anchor="ctr">
+                    <a:lnL>
+                      <a:noFill/>
+                    </a:lnL>
+                    <a:lnR>
+                      <a:noFill/>
+                    </a:lnR>
+                    <a:lnT>
+                      <a:noFill/>
+                    </a:lnT>
+                    <a:lnB>
+                      <a:noFill/>
+                    </a:lnB>
+                    <a:solidFill>
+                      <a:srgbClr val="FFFFFF"/>
+                    </a:solidFill>
+                  </a:tcPr>
+                </a:tc>
+                <a:tc>
+                  <a:txBody>
+                    <a:bodyPr/>
+                    <a:lstStyle/>
+                    <a:p>
+                      <a:pPr algn="l"/>
+                      <a:r>
+                        <a:rPr lang="en-US" sz="1800" dirty="0">
+                          <a:latin typeface="Candara" panose="020E0502030303020204" pitchFamily="34" charset="0"/>
+                        </a:rPr>
+                        <a:t>Will execute the method once, before the start of all tests. Can be used to perform time intensive activities, for example to connect to a database. </a:t>
+                      </a:r>
+                    </a:p>
+                  </a:txBody>
+                  <a:tcPr marL="48666" marR="48666" marT="24333" marB="24333" anchor="ctr">
+                    <a:lnL>
+                      <a:noFill/>
+                    </a:lnL>
+                    <a:lnR>
+                      <a:noFill/>
+                    </a:lnR>
+                    <a:lnT>
+                      <a:noFill/>
+                    </a:lnT>
+                    <a:lnB>
+                      <a:noFill/>
+                    </a:lnB>
+                    <a:solidFill>
+                      <a:srgbClr val="FFFFFF"/>
+                    </a:solidFill>
+                  </a:tcPr>
+                </a:tc>
+                <a:extLst>
+                  <a:ext uri="{0D108BD9-81ED-4DB2-BD59-A6C34878D82A}">
+                    <a16:rowId xmlns:a16="http://schemas.microsoft.com/office/drawing/2014/main" val="10001"/>
+                  </a:ext>
+                </a:extLst>
+              </a:tr>
+              <a:tr h="1135850">
+                <a:tc>
+                  <a:txBody>
+                    <a:bodyPr/>
+                    <a:lstStyle/>
+                    <a:p>
+                      <a:pPr algn="l"/>
+                      <a:r>
+                        <a:rPr lang="en-US" sz="1800" dirty="0">
+                          <a:latin typeface="Candara" panose="020E0502030303020204" pitchFamily="34" charset="0"/>
+                        </a:rPr>
+                        <a:t>@</a:t>
+                      </a:r>
+                      <a:r>
+                        <a:rPr lang="en-US" sz="1800" dirty="0" err="1">
+                          <a:latin typeface="Candara" panose="020E0502030303020204" pitchFamily="34" charset="0"/>
+                        </a:rPr>
+                        <a:t>AfterAll</a:t>
+                      </a:r>
+                      <a:r>
+                        <a:rPr lang="en-US" sz="1800" dirty="0">
+                          <a:latin typeface="Candara" panose="020E0502030303020204" pitchFamily="34" charset="0"/>
+                        </a:rPr>
+                        <a:t> public void method()</a:t>
+                      </a:r>
+                    </a:p>
+                  </a:txBody>
+                  <a:tcPr marL="48666" marR="48666" marT="24333" marB="24333" anchor="ctr">
+                    <a:lnL>
+                      <a:noFill/>
+                    </a:lnL>
+                    <a:lnR>
+                      <a:noFill/>
+                    </a:lnR>
+                    <a:lnT>
+                      <a:noFill/>
+                    </a:lnT>
+                    <a:lnB>
+                      <a:noFill/>
+                    </a:lnB>
+                    <a:solidFill>
+                      <a:srgbClr val="FFFFFF"/>
+                    </a:solidFill>
+                  </a:tcPr>
+                </a:tc>
+                <a:tc>
+                  <a:txBody>
+                    <a:bodyPr/>
+                    <a:lstStyle/>
+                    <a:p>
+                      <a:pPr algn="l"/>
+                      <a:r>
+                        <a:rPr lang="en-US" sz="1800" dirty="0">
+                          <a:latin typeface="Candara" panose="020E0502030303020204" pitchFamily="34" charset="0"/>
+                        </a:rPr>
+                        <a:t>Will execute the method once, after all tests have finished. Can be used to perform clean-up activities, for example to disconnect from a database. </a:t>
+                      </a:r>
+                    </a:p>
+                  </a:txBody>
+                  <a:tcPr marL="48666" marR="48666" marT="24333" marB="24333" anchor="ctr">
+                    <a:lnL>
+                      <a:noFill/>
+                    </a:lnL>
+                    <a:lnR>
+                      <a:noFill/>
+                    </a:lnR>
+                    <a:lnT>
+                      <a:noFill/>
+                    </a:lnT>
+                    <a:lnB>
+                      <a:noFill/>
+                    </a:lnB>
+                    <a:solidFill>
+                      <a:srgbClr val="FFFFFF"/>
+                    </a:solidFill>
+                  </a:tcPr>
+                </a:tc>
+                <a:extLst>
+                  <a:ext uri="{0D108BD9-81ED-4DB2-BD59-A6C34878D82A}">
+                    <a16:rowId xmlns:a16="http://schemas.microsoft.com/office/drawing/2014/main" val="10002"/>
+                  </a:ext>
+                </a:extLst>
+              </a:tr>
+              <a:tr h="813092">
+                <a:tc>
+                  <a:txBody>
+                    <a:bodyPr/>
+                    <a:lstStyle/>
+                    <a:p>
+                      <a:pPr algn="l"/>
+                      <a:r>
+                        <a:rPr lang="en-US" sz="1800" dirty="0">
+                          <a:latin typeface="Candara" panose="020E0502030303020204" pitchFamily="34" charset="0"/>
+                        </a:rPr>
+                        <a:t>@Timeout(5)</a:t>
+                      </a:r>
+                    </a:p>
+                    <a:p>
+                      <a:pPr algn="l"/>
+                      <a:endParaRPr lang="en-US" sz="1800" dirty="0">
+                        <a:latin typeface="Candara" panose="020E0502030303020204" pitchFamily="34" charset="0"/>
+                      </a:endParaRPr>
+                    </a:p>
+                  </a:txBody>
+                  <a:tcPr marL="48666" marR="48666" marT="24333" marB="24333" anchor="ctr">
+                    <a:lnL>
+                      <a:noFill/>
+                    </a:lnL>
+                    <a:lnR>
+                      <a:noFill/>
+                    </a:lnR>
+                    <a:lnT>
+                      <a:noFill/>
+                    </a:lnT>
+                    <a:lnB>
+                      <a:noFill/>
+                    </a:lnB>
+                    <a:solidFill>
+                      <a:srgbClr val="FFFFFF"/>
+                    </a:solidFill>
+                  </a:tcPr>
+                </a:tc>
+                <a:tc>
+                  <a:txBody>
+                    <a:bodyPr/>
+                    <a:lstStyle/>
+                    <a:p>
+                      <a:pPr algn="l"/>
+                      <a:r>
+                        <a:rPr lang="en-US" sz="1800" dirty="0">
+                          <a:latin typeface="Candara" panose="020E0502030303020204" pitchFamily="34" charset="0"/>
+                        </a:rPr>
+                        <a:t>Fails if the method takes longer than 5 seconds. </a:t>
+                      </a:r>
+                    </a:p>
+                    <a:p>
+                      <a:pPr algn="l"/>
+                      <a:endParaRPr lang="en-US" sz="1800" dirty="0">
+                        <a:latin typeface="Candara" panose="020E0502030303020204" pitchFamily="34" charset="0"/>
+                      </a:endParaRPr>
+                    </a:p>
+                  </a:txBody>
+                  <a:tcPr marL="48666" marR="48666" marT="24333" marB="24333" anchor="ctr">
+                    <a:lnL>
+                      <a:noFill/>
+                    </a:lnL>
+                    <a:lnR>
+                      <a:noFill/>
+                    </a:lnR>
+                    <a:lnT>
+                      <a:noFill/>
+                    </a:lnT>
+                    <a:lnB>
+                      <a:noFill/>
+                    </a:lnB>
+                    <a:solidFill>
+                      <a:srgbClr val="FFFFFF"/>
+                    </a:solidFill>
+                  </a:tcPr>
+                </a:tc>
+                <a:extLst>
+                  <a:ext uri="{0D108BD9-81ED-4DB2-BD59-A6C34878D82A}">
+                    <a16:rowId xmlns:a16="http://schemas.microsoft.com/office/drawing/2014/main" val="10004"/>
+                  </a:ext>
+                </a:extLst>
+              </a:tr>
+              <a:tr h="813092">
+                <a:tc>
+                  <a:txBody>
+                    <a:bodyPr/>
+                    <a:lstStyle/>
+                    <a:p>
+                      <a:pPr marL="0" marR="0" lvl="0" indent="0" algn="l" defTabSz="914400" rtl="0" eaLnBrk="1" fontAlgn="auto" latinLnBrk="0" hangingPunct="1">
+                        <a:lnSpc>
+                          <a:spcPct val="100000"/>
+                        </a:lnSpc>
+                        <a:spcBef>
+                          <a:spcPts val="0"/>
+                        </a:spcBef>
+                        <a:spcAft>
+                          <a:spcPts val="0"/>
+                        </a:spcAft>
+                        <a:buClrTx/>
+                        <a:buSzTx/>
+                        <a:buFontTx/>
+                        <a:buNone/>
+                        <a:tabLst/>
+                        <a:defRPr/>
+                      </a:pPr>
+                      <a:r>
+                        <a:rPr lang="en-US" sz="1800" dirty="0">
+                          <a:latin typeface="Candara" panose="020E0502030303020204" pitchFamily="34" charset="0"/>
+                        </a:rPr>
+                        <a:t>@Timeout(value = 100, unit = </a:t>
+                      </a:r>
+                      <a:r>
+                        <a:rPr lang="en-US" sz="1800" dirty="0" err="1">
+                          <a:latin typeface="Candara" panose="020E0502030303020204" pitchFamily="34" charset="0"/>
+                        </a:rPr>
+                        <a:t>TimeUnit.MILLISECONDS</a:t>
+                      </a:r>
+                      <a:r>
+                        <a:rPr lang="en-US" sz="1800" dirty="0">
+                          <a:latin typeface="Candara" panose="020E0502030303020204" pitchFamily="34" charset="0"/>
+                        </a:rPr>
+                        <a:t>)</a:t>
+                      </a:r>
+                    </a:p>
+                    <a:p>
+                      <a:pPr algn="l"/>
+                      <a:endParaRPr lang="en-US" sz="1800" dirty="0">
+                        <a:latin typeface="Candara" panose="020E0502030303020204" pitchFamily="34" charset="0"/>
+                      </a:endParaRPr>
+                    </a:p>
+                  </a:txBody>
+                  <a:tcPr marL="48666" marR="48666" marT="24333" marB="24333" anchor="ctr">
+                    <a:lnL>
+                      <a:noFill/>
+                    </a:lnL>
+                    <a:lnR>
+                      <a:noFill/>
+                    </a:lnR>
+                    <a:lnT>
+                      <a:noFill/>
+                    </a:lnT>
+                    <a:lnB>
+                      <a:noFill/>
+                    </a:lnB>
+                    <a:solidFill>
+                      <a:srgbClr val="FFFFFF"/>
+                    </a:solidFill>
+                  </a:tcPr>
+                </a:tc>
+                <a:tc>
+                  <a:txBody>
+                    <a:bodyPr/>
+                    <a:lstStyle/>
+                    <a:p>
+                      <a:pPr marL="0" marR="0" lvl="0" indent="0" algn="l" defTabSz="914400" rtl="0" eaLnBrk="1" fontAlgn="auto" latinLnBrk="0" hangingPunct="1">
+                        <a:lnSpc>
+                          <a:spcPct val="100000"/>
+                        </a:lnSpc>
+                        <a:spcBef>
+                          <a:spcPts val="0"/>
+                        </a:spcBef>
+                        <a:spcAft>
+                          <a:spcPts val="0"/>
+                        </a:spcAft>
+                        <a:buClrTx/>
+                        <a:buSzTx/>
+                        <a:buFontTx/>
+                        <a:buNone/>
+                        <a:tabLst/>
+                        <a:defRPr/>
+                      </a:pPr>
+                      <a:r>
+                        <a:rPr lang="en-US" sz="1800" dirty="0">
+                          <a:latin typeface="Candara" panose="020E0502030303020204" pitchFamily="34" charset="0"/>
+                        </a:rPr>
+                        <a:t>Fails if the method takes longer than 100 milliseconds</a:t>
+                      </a:r>
+                    </a:p>
+                    <a:p>
+                      <a:pPr algn="l"/>
+                      <a:endParaRPr lang="en-US" sz="1800" dirty="0">
+                        <a:latin typeface="Candara" panose="020E0502030303020204" pitchFamily="34" charset="0"/>
+                      </a:endParaRPr>
+                    </a:p>
+                  </a:txBody>
+                  <a:tcPr marL="48666" marR="48666" marT="24333" marB="24333" anchor="ctr">
+                    <a:lnL>
+                      <a:noFill/>
+                    </a:lnL>
+                    <a:lnR>
+                      <a:noFill/>
+                    </a:lnR>
+                    <a:lnT>
+                      <a:noFill/>
+                    </a:lnT>
+                    <a:lnB>
+                      <a:noFill/>
+                    </a:lnB>
+                    <a:solidFill>
+                      <a:srgbClr val="FFFFFF"/>
+                    </a:solidFill>
+                  </a:tcPr>
+                </a:tc>
+                <a:extLst>
+                  <a:ext uri="{0D108BD9-81ED-4DB2-BD59-A6C34878D82A}">
+                    <a16:rowId xmlns:a16="http://schemas.microsoft.com/office/drawing/2014/main" val="2751093695"/>
+                  </a:ext>
+                </a:extLst>
+              </a:tr>
+            </a:tbl>
+          </a:graphicData>
+        </a:graphic>
+      </p:graphicFrame>
+      <p:sp>
+        <p:nvSpPr>
+          <p:cNvPr id="3" name="Slide Number Placeholder 2">
+            <a:extLst>
+              <a:ext uri="{FF2B5EF4-FFF2-40B4-BE49-F238E27FC236}">
+                <a16:creationId xmlns:a16="http://schemas.microsoft.com/office/drawing/2014/main" id="{4D22B39B-EDA6-B24B-8209-B3034F12E9D5}"/>
+              </a:ext>
+            </a:extLst>
+          </p:cNvPr>
+          <p:cNvSpPr>
+            <a:spLocks noGrp="1"/>
+          </p:cNvSpPr>
+          <p:nvPr>
+            <p:ph type="sldNum" sz="quarter" idx="12"/>
+          </p:nvPr>
+        </p:nvSpPr>
+        <p:spPr/>
+        <p:txBody>
+          <a:bodyPr/>
+          <a:lstStyle/>
+          <a:p>
+            <a:pPr>
+              <a:defRPr/>
+            </a:pPr>
+            <a:fld id="{345379D2-9974-407D-B80B-45DD4834A3C8}" type="slidenum">
+              <a:rPr lang="en-US" smtClean="0"/>
+              <a:pPr>
+                <a:defRPr/>
+              </a:pPr>
+              <a:t>71</a:t>
+            </a:fld>
+            <a:endParaRPr lang="en-US"/>
+          </a:p>
+        </p:txBody>
+      </p:sp>
+    </p:spTree>
+    <p:extLst>
+      <p:ext uri="{BB962C8B-B14F-4D97-AF65-F5344CB8AC3E}">
+        <p14:creationId xmlns:p14="http://schemas.microsoft.com/office/powerpoint/2010/main" val="1544617415"/>
+      </p:ext>
+    </p:extLst>
+  </p:cSld>
+  <p:clrMapOvr>
+    <a:masterClrMapping/>
+  </p:clrMapOvr>
+</p:sld>
+</file>
+
+<file path=ppt/slides/slide72.xml><?xml version="1.0" encoding="utf-8"?>
+<p:sld xmlns:a="http://schemas.openxmlformats.org/drawingml/2006/main" xmlns:r="http://schemas.openxmlformats.org/officeDocument/2006/relationships" xmlns:p="http://schemas.openxmlformats.org/presentationml/2006/main">
+  <p:cSld>
+    <p:spTree>
+      <p:nvGrpSpPr>
+        <p:cNvPr id="1" name=""/>
+        <p:cNvGrpSpPr/>
+        <p:nvPr/>
+      </p:nvGrpSpPr>
+      <p:grpSpPr>
+        <a:xfrm>
+          <a:off x="0" y="0"/>
+          <a:ext cx="0" cy="0"/>
+          <a:chOff x="0" y="0"/>
+          <a:chExt cx="0" cy="0"/>
+        </a:xfrm>
+      </p:grpSpPr>
+      <p:sp>
+        <p:nvSpPr>
           <p:cNvPr id="51204" name="Rectangle 2"/>
           <p:cNvSpPr>
             <a:spLocks noGrp="1"/>
@@ -28759,7 +30274,7 @@
           <a:p>
             <a:fld id="{B543A0FD-1CA6-4228-86A2-78061B4844C8}" type="slidenum">
               <a:rPr lang="en-US" smtClean="0"/>
-              <a:t>70</a:t>
+              <a:t>72</a:t>
             </a:fld>
             <a:endParaRPr lang="en-US"/>
           </a:p>
@@ -29056,7 +30571,7 @@
 </p:sld>
 </file>
 
-<file path=ppt/slides/slide71.xml><?xml version="1.0" encoding="utf-8"?>
+<file path=ppt/slides/slide73.xml><?xml version="1.0" encoding="utf-8"?>
 <p:sld xmlns:a="http://schemas.openxmlformats.org/drawingml/2006/main" xmlns:r="http://schemas.openxmlformats.org/officeDocument/2006/relationships" xmlns:p="http://schemas.openxmlformats.org/presentationml/2006/main">
   <p:cSld>
     <p:spTree>
@@ -29343,7 +30858,7 @@
           <a:p>
             <a:fld id="{B543A0FD-1CA6-4228-86A2-78061B4844C8}" type="slidenum">
               <a:rPr lang="en-US" smtClean="0"/>
-              <a:t>71</a:t>
+              <a:t>73</a:t>
             </a:fld>
             <a:endParaRPr lang="en-US"/>
           </a:p>
@@ -29369,7 +30884,7 @@
 </p:sld>
 </file>
 
-<file path=ppt/slides/slide72.xml><?xml version="1.0" encoding="utf-8"?>
+<file path=ppt/slides/slide74.xml><?xml version="1.0" encoding="utf-8"?>
 <p:sld xmlns:a="http://schemas.openxmlformats.org/drawingml/2006/main" xmlns:r="http://schemas.openxmlformats.org/officeDocument/2006/relationships" xmlns:p="http://schemas.openxmlformats.org/presentationml/2006/main">
   <p:cSld>
     <p:spTree>
@@ -29472,7 +30987,7 @@
           <a:p>
             <a:fld id="{B543A0FD-1CA6-4228-86A2-78061B4844C8}" type="slidenum">
               <a:rPr lang="en-US" smtClean="0"/>
-              <a:t>72</a:t>
+              <a:t>74</a:t>
             </a:fld>
             <a:endParaRPr lang="en-US"/>
           </a:p>
